--- a/classes/prog2017/Prog3-Lecture08.pptx
+++ b/classes/prog2017/Prog3-Lecture08.pptx
@@ -5,7 +5,7 @@
     <p:sldMasterId id="2147483648" r:id="rId1"/>
   </p:sldMasterIdLst>
   <p:notesMasterIdLst>
-    <p:notesMasterId r:id="rId57"/>
+    <p:notesMasterId r:id="rId59"/>
   </p:notesMasterIdLst>
   <p:sldIdLst>
     <p:sldId id="256" r:id="rId2"/>
@@ -43,26 +43,28 @@
     <p:sldId id="286" r:id="rId34"/>
     <p:sldId id="314" r:id="rId35"/>
     <p:sldId id="315" r:id="rId36"/>
-    <p:sldId id="287" r:id="rId37"/>
-    <p:sldId id="288" r:id="rId38"/>
-    <p:sldId id="289" r:id="rId39"/>
-    <p:sldId id="316" r:id="rId40"/>
-    <p:sldId id="291" r:id="rId41"/>
-    <p:sldId id="292" r:id="rId42"/>
-    <p:sldId id="293" r:id="rId43"/>
-    <p:sldId id="294" r:id="rId44"/>
-    <p:sldId id="295" r:id="rId45"/>
-    <p:sldId id="296" r:id="rId46"/>
-    <p:sldId id="297" r:id="rId47"/>
-    <p:sldId id="298" r:id="rId48"/>
-    <p:sldId id="299" r:id="rId49"/>
-    <p:sldId id="300" r:id="rId50"/>
-    <p:sldId id="317" r:id="rId51"/>
-    <p:sldId id="312" r:id="rId52"/>
-    <p:sldId id="306" r:id="rId53"/>
-    <p:sldId id="307" r:id="rId54"/>
-    <p:sldId id="308" r:id="rId55"/>
-    <p:sldId id="318" r:id="rId56"/>
+    <p:sldId id="320" r:id="rId37"/>
+    <p:sldId id="287" r:id="rId38"/>
+    <p:sldId id="288" r:id="rId39"/>
+    <p:sldId id="289" r:id="rId40"/>
+    <p:sldId id="316" r:id="rId41"/>
+    <p:sldId id="321" r:id="rId42"/>
+    <p:sldId id="291" r:id="rId43"/>
+    <p:sldId id="292" r:id="rId44"/>
+    <p:sldId id="293" r:id="rId45"/>
+    <p:sldId id="294" r:id="rId46"/>
+    <p:sldId id="295" r:id="rId47"/>
+    <p:sldId id="296" r:id="rId48"/>
+    <p:sldId id="297" r:id="rId49"/>
+    <p:sldId id="298" r:id="rId50"/>
+    <p:sldId id="299" r:id="rId51"/>
+    <p:sldId id="300" r:id="rId52"/>
+    <p:sldId id="317" r:id="rId53"/>
+    <p:sldId id="312" r:id="rId54"/>
+    <p:sldId id="306" r:id="rId55"/>
+    <p:sldId id="307" r:id="rId56"/>
+    <p:sldId id="308" r:id="rId57"/>
+    <p:sldId id="318" r:id="rId58"/>
   </p:sldIdLst>
   <p:sldSz cx="9144000" cy="6858000" type="screen4x3"/>
   <p:notesSz cx="6858000" cy="9144000"/>
@@ -267,7 +269,7 @@
             <a:fld id="{02EDA61E-6AEC-4C8A-ACC6-A4B93802AD74}" type="datetimeFigureOut">
               <a:rPr lang="en-US" smtClean="0"/>
               <a:pPr/>
-              <a:t>9/14/2017</a:t>
+              <a:t>9/21/2017</a:t>
             </a:fld>
             <a:endParaRPr lang="en-US"/>
           </a:p>
@@ -2977,7 +2979,7 @@
             <a:fld id="{A9215F3A-B106-4599-A4F4-AAE0D54C207D}" type="slidenum">
               <a:rPr lang="en-US"/>
               <a:pPr/>
-              <a:t>36</a:t>
+              <a:t>37</a:t>
             </a:fld>
             <a:endParaRPr lang="en-US"/>
           </a:p>
@@ -3061,7 +3063,7 @@
             <a:fld id="{2AA66AFB-09AC-499F-9FF5-92187CA6F86E}" type="slidenum">
               <a:rPr lang="en-US"/>
               <a:pPr/>
-              <a:t>37</a:t>
+              <a:t>38</a:t>
             </a:fld>
             <a:endParaRPr lang="en-US"/>
           </a:p>
@@ -3145,7 +3147,7 @@
             <a:fld id="{74804011-B9C9-489D-BAD7-DB5558254964}" type="slidenum">
               <a:rPr lang="en-US"/>
               <a:pPr/>
-              <a:t>38</a:t>
+              <a:t>39</a:t>
             </a:fld>
             <a:endParaRPr lang="en-US"/>
           </a:p>
@@ -3260,7 +3262,7 @@
             <a:fld id="{6A393C27-5601-4CC5-A3AF-695CBC4342B1}" type="slidenum">
               <a:rPr lang="en-US" smtClean="0"/>
               <a:pPr/>
-              <a:t>39</a:t>
+              <a:t>40</a:t>
             </a:fld>
             <a:endParaRPr lang="en-US"/>
           </a:p>
@@ -3393,7 +3395,7 @@
             <a:fld id="{4F26426B-110B-4448-97DE-E05952AAD6A2}" type="slidenum">
               <a:rPr lang="en-US"/>
               <a:pPr/>
-              <a:t>40</a:t>
+              <a:t>42</a:t>
             </a:fld>
             <a:endParaRPr lang="en-US"/>
           </a:p>
@@ -3477,7 +3479,7 @@
             <a:fld id="{BEB6E0BD-9D77-4BCB-9814-204D099985DF}" type="slidenum">
               <a:rPr lang="en-US"/>
               <a:pPr/>
-              <a:t>41</a:t>
+              <a:t>43</a:t>
             </a:fld>
             <a:endParaRPr lang="en-US"/>
           </a:p>
@@ -3561,7 +3563,7 @@
             <a:fld id="{1574FDC3-569C-43CB-BCCF-0C98BCA85A09}" type="slidenum">
               <a:rPr lang="en-US"/>
               <a:pPr/>
-              <a:t>42</a:t>
+              <a:t>44</a:t>
             </a:fld>
             <a:endParaRPr lang="en-US"/>
           </a:p>
@@ -3645,7 +3647,7 @@
             <a:fld id="{3F2AD7F6-4384-49E0-A6ED-E5C8F55D05BD}" type="slidenum">
               <a:rPr lang="en-US"/>
               <a:pPr/>
-              <a:t>43</a:t>
+              <a:t>45</a:t>
             </a:fld>
             <a:endParaRPr lang="en-US"/>
           </a:p>
@@ -3729,7 +3731,7 @@
             <a:fld id="{FF7043F6-3CB8-4998-9D3E-B134B3FD3264}" type="slidenum">
               <a:rPr lang="en-US"/>
               <a:pPr/>
-              <a:t>44</a:t>
+              <a:t>46</a:t>
             </a:fld>
             <a:endParaRPr lang="en-US"/>
           </a:p>
@@ -3813,7 +3815,7 @@
             <a:fld id="{27C51E80-EE48-4EEF-8695-8FD0171517B2}" type="slidenum">
               <a:rPr lang="en-US"/>
               <a:pPr/>
-              <a:t>45</a:t>
+              <a:t>47</a:t>
             </a:fld>
             <a:endParaRPr lang="en-US"/>
           </a:p>
@@ -3897,7 +3899,7 @@
             <a:fld id="{43DDAD17-A9F5-40B9-8CE7-1C1F0F33ACA0}" type="slidenum">
               <a:rPr lang="en-US"/>
               <a:pPr/>
-              <a:t>46</a:t>
+              <a:t>48</a:t>
             </a:fld>
             <a:endParaRPr lang="en-US"/>
           </a:p>
@@ -3981,7 +3983,7 @@
             <a:fld id="{3D62F0A6-ACA0-4259-85AA-7ED210EBFB33}" type="slidenum">
               <a:rPr lang="en-US"/>
               <a:pPr/>
-              <a:t>47</a:t>
+              <a:t>49</a:t>
             </a:fld>
             <a:endParaRPr lang="en-US"/>
           </a:p>
@@ -4065,7 +4067,7 @@
             <a:fld id="{8CE422CC-FF48-4377-AD17-61489D4FB1D3}" type="slidenum">
               <a:rPr lang="en-US"/>
               <a:pPr/>
-              <a:t>48</a:t>
+              <a:t>50</a:t>
             </a:fld>
             <a:endParaRPr lang="en-US"/>
           </a:p>
@@ -4149,7 +4151,7 @@
             <a:fld id="{5D00EF32-E77F-4FA2-93F0-84BB86CD5902}" type="slidenum">
               <a:rPr lang="en-US"/>
               <a:pPr/>
-              <a:t>49</a:t>
+              <a:t>51</a:t>
             </a:fld>
             <a:endParaRPr lang="en-US"/>
           </a:p>
@@ -4346,7 +4348,7 @@
             <a:fld id="{6A393C27-5601-4CC5-A3AF-695CBC4342B1}" type="slidenum">
               <a:rPr lang="en-US" smtClean="0"/>
               <a:pPr/>
-              <a:t>50</a:t>
+              <a:t>52</a:t>
             </a:fld>
             <a:endParaRPr lang="en-US"/>
           </a:p>
@@ -4397,7 +4399,7 @@
             <a:fld id="{2F1CDDBF-8CEC-40FA-823A-A3ED3EA4E7AC}" type="slidenum">
               <a:rPr lang="en-US"/>
               <a:pPr/>
-              <a:t>51</a:t>
+              <a:t>53</a:t>
             </a:fld>
             <a:endParaRPr lang="en-US"/>
           </a:p>
@@ -4481,7 +4483,7 @@
             <a:fld id="{1A02AED1-4BF3-4D8D-B8E8-7B7893EC6A79}" type="slidenum">
               <a:rPr lang="en-US"/>
               <a:pPr/>
-              <a:t>52</a:t>
+              <a:t>54</a:t>
             </a:fld>
             <a:endParaRPr lang="en-US"/>
           </a:p>
@@ -4565,7 +4567,7 @@
             <a:fld id="{04B98639-F97C-4BF5-9BC5-362AD833CC07}" type="slidenum">
               <a:rPr lang="en-US"/>
               <a:pPr/>
-              <a:t>53</a:t>
+              <a:t>55</a:t>
             </a:fld>
             <a:endParaRPr lang="en-US"/>
           </a:p>
@@ -4649,7 +4651,7 @@
             <a:fld id="{7531F3AC-9201-4930-B005-23F34BD48496}" type="slidenum">
               <a:rPr lang="en-US"/>
               <a:pPr/>
-              <a:t>54</a:t>
+              <a:t>56</a:t>
             </a:fld>
             <a:endParaRPr lang="en-US"/>
           </a:p>
@@ -4764,7 +4766,7 @@
             <a:fld id="{6A393C27-5601-4CC5-A3AF-695CBC4342B1}" type="slidenum">
               <a:rPr lang="en-US" smtClean="0"/>
               <a:pPr/>
-              <a:t>55</a:t>
+              <a:t>57</a:t>
             </a:fld>
             <a:endParaRPr lang="en-US"/>
           </a:p>
@@ -5286,7 +5288,7 @@
             <a:fld id="{1D8BD707-D9CF-40AE-B4C6-C98DA3205C09}" type="datetimeFigureOut">
               <a:rPr lang="en-US" smtClean="0"/>
               <a:pPr/>
-              <a:t>9/14/2017</a:t>
+              <a:t>9/21/2017</a:t>
             </a:fld>
             <a:endParaRPr lang="en-US"/>
           </a:p>
@@ -5451,7 +5453,7 @@
             <a:fld id="{1D8BD707-D9CF-40AE-B4C6-C98DA3205C09}" type="datetimeFigureOut">
               <a:rPr lang="en-US" smtClean="0"/>
               <a:pPr/>
-              <a:t>9/14/2017</a:t>
+              <a:t>9/21/2017</a:t>
             </a:fld>
             <a:endParaRPr lang="en-US"/>
           </a:p>
@@ -5626,7 +5628,7 @@
             <a:fld id="{1D8BD707-D9CF-40AE-B4C6-C98DA3205C09}" type="datetimeFigureOut">
               <a:rPr lang="en-US" smtClean="0"/>
               <a:pPr/>
-              <a:t>9/14/2017</a:t>
+              <a:t>9/21/2017</a:t>
             </a:fld>
             <a:endParaRPr lang="en-US"/>
           </a:p>
@@ -5791,7 +5793,7 @@
             <a:fld id="{1D8BD707-D9CF-40AE-B4C6-C98DA3205C09}" type="datetimeFigureOut">
               <a:rPr lang="en-US" smtClean="0"/>
               <a:pPr/>
-              <a:t>9/14/2017</a:t>
+              <a:t>9/21/2017</a:t>
             </a:fld>
             <a:endParaRPr lang="en-US"/>
           </a:p>
@@ -6033,7 +6035,7 @@
             <a:fld id="{1D8BD707-D9CF-40AE-B4C6-C98DA3205C09}" type="datetimeFigureOut">
               <a:rPr lang="en-US" smtClean="0"/>
               <a:pPr/>
-              <a:t>9/14/2017</a:t>
+              <a:t>9/21/2017</a:t>
             </a:fld>
             <a:endParaRPr lang="en-US"/>
           </a:p>
@@ -6315,7 +6317,7 @@
             <a:fld id="{1D8BD707-D9CF-40AE-B4C6-C98DA3205C09}" type="datetimeFigureOut">
               <a:rPr lang="en-US" smtClean="0"/>
               <a:pPr/>
-              <a:t>9/14/2017</a:t>
+              <a:t>9/21/2017</a:t>
             </a:fld>
             <a:endParaRPr lang="en-US"/>
           </a:p>
@@ -6731,7 +6733,7 @@
             <a:fld id="{1D8BD707-D9CF-40AE-B4C6-C98DA3205C09}" type="datetimeFigureOut">
               <a:rPr lang="en-US" smtClean="0"/>
               <a:pPr/>
-              <a:t>9/14/2017</a:t>
+              <a:t>9/21/2017</a:t>
             </a:fld>
             <a:endParaRPr lang="en-US"/>
           </a:p>
@@ -6845,7 +6847,7 @@
             <a:fld id="{1D8BD707-D9CF-40AE-B4C6-C98DA3205C09}" type="datetimeFigureOut">
               <a:rPr lang="en-US" smtClean="0"/>
               <a:pPr/>
-              <a:t>9/14/2017</a:t>
+              <a:t>9/21/2017</a:t>
             </a:fld>
             <a:endParaRPr lang="en-US"/>
           </a:p>
@@ -6937,7 +6939,7 @@
             <a:fld id="{1D8BD707-D9CF-40AE-B4C6-C98DA3205C09}" type="datetimeFigureOut">
               <a:rPr lang="en-US" smtClean="0"/>
               <a:pPr/>
-              <a:t>9/14/2017</a:t>
+              <a:t>9/21/2017</a:t>
             </a:fld>
             <a:endParaRPr lang="en-US"/>
           </a:p>
@@ -7209,7 +7211,7 @@
             <a:fld id="{1D8BD707-D9CF-40AE-B4C6-C98DA3205C09}" type="datetimeFigureOut">
               <a:rPr lang="en-US" smtClean="0"/>
               <a:pPr/>
-              <a:t>9/14/2017</a:t>
+              <a:t>9/21/2017</a:t>
             </a:fld>
             <a:endParaRPr lang="en-US"/>
           </a:p>
@@ -7458,7 +7460,7 @@
             <a:fld id="{1D8BD707-D9CF-40AE-B4C6-C98DA3205C09}" type="datetimeFigureOut">
               <a:rPr lang="en-US" smtClean="0"/>
               <a:pPr/>
-              <a:t>9/14/2017</a:t>
+              <a:t>9/21/2017</a:t>
             </a:fld>
             <a:endParaRPr lang="en-US"/>
           </a:p>
@@ -7666,7 +7668,7 @@
             <a:fld id="{1D8BD707-D9CF-40AE-B4C6-C98DA3205C09}" type="datetimeFigureOut">
               <a:rPr lang="en-US" smtClean="0"/>
               <a:pPr/>
-              <a:t>9/14/2017</a:t>
+              <a:t>9/21/2017</a:t>
             </a:fld>
             <a:endParaRPr lang="en-US"/>
           </a:p>
@@ -9137,7 +9139,7 @@
           <a:graphicData uri="http://schemas.openxmlformats.org/presentationml/2006/ole">
             <mc:AlternateContent xmlns:mc="http://schemas.openxmlformats.org/markup-compatibility/2006">
               <mc:Choice xmlns:v="urn:schemas-microsoft-com:vml" Requires="v">
-                <p:oleObj spid="_x0000_s110596" name="Bitmap Image" r:id="rId4" imgW="4447619" imgH="3010320" progId="PBrush">
+                <p:oleObj spid="_x0000_s110616" name="Bitmap Image" r:id="rId4" imgW="4447619" imgH="3010320" progId="PBrush">
                   <p:embed/>
                 </p:oleObj>
               </mc:Choice>
@@ -9230,7 +9232,7 @@
           <a:graphicData uri="http://schemas.openxmlformats.org/presentationml/2006/ole">
             <mc:AlternateContent xmlns:mc="http://schemas.openxmlformats.org/markup-compatibility/2006">
               <mc:Choice xmlns:v="urn:schemas-microsoft-com:vml" Requires="v">
-                <p:oleObj spid="_x0000_s110597" name="Bitmap Image" r:id="rId6" imgW="333333" imgH="714286" progId="PBrush">
+                <p:oleObj spid="_x0000_s110617" name="Bitmap Image" r:id="rId6" imgW="333333" imgH="714286" progId="PBrush">
                   <p:embed/>
                 </p:oleObj>
               </mc:Choice>
@@ -12575,7 +12577,7 @@
           <a:p>
             <a:r>
               <a:rPr lang="en-US" dirty="0"/>
-              <a:t>“T2”</a:t>
+              <a:t>“T3”</a:t>
             </a:r>
           </a:p>
         </p:txBody>
@@ -12604,7 +12606,7 @@
           <a:p>
             <a:r>
               <a:rPr lang="en-US" dirty="0"/>
-              <a:t>“T3”</a:t>
+              <a:t>“T2”</a:t>
             </a:r>
           </a:p>
         </p:txBody>
@@ -12926,7 +12928,7 @@
           <a:graphicData uri="http://schemas.openxmlformats.org/presentationml/2006/ole">
             <mc:AlternateContent xmlns:mc="http://schemas.openxmlformats.org/markup-compatibility/2006">
               <mc:Choice xmlns:v="urn:schemas-microsoft-com:vml" Requires="v">
-                <p:oleObj spid="_x0000_s2051" name="Bitmap Image" r:id="rId4" imgW="4371429" imgH="2180952" progId="PBrush">
+                <p:oleObj spid="_x0000_s2061" name="Bitmap Image" r:id="rId4" imgW="4371429" imgH="2180952" progId="PBrush">
                   <p:embed/>
                 </p:oleObj>
               </mc:Choice>
@@ -13044,7 +13046,7 @@
           <a:graphicData uri="http://schemas.openxmlformats.org/presentationml/2006/ole">
             <mc:AlternateContent xmlns:mc="http://schemas.openxmlformats.org/markup-compatibility/2006">
               <mc:Choice xmlns:v="urn:schemas-microsoft-com:vml" Requires="v">
-                <p:oleObj spid="_x0000_s3076" name="Bitmap Image" r:id="rId4" imgW="6133333" imgH="6304762" progId="PBrush">
+                <p:oleObj spid="_x0000_s3096" name="Bitmap Image" r:id="rId4" imgW="6133333" imgH="6304762" progId="PBrush">
                   <p:embed/>
                 </p:oleObj>
               </mc:Choice>
@@ -13174,7 +13176,7 @@
           <a:graphicData uri="http://schemas.openxmlformats.org/presentationml/2006/ole">
             <mc:AlternateContent xmlns:mc="http://schemas.openxmlformats.org/markup-compatibility/2006">
               <mc:Choice xmlns:v="urn:schemas-microsoft-com:vml" Requires="v">
-                <p:oleObj spid="_x0000_s3077" name="Bitmap Image" r:id="rId6" imgW="2057143" imgH="838095" progId="PBrush">
+                <p:oleObj spid="_x0000_s3097" name="Bitmap Image" r:id="rId6" imgW="2057143" imgH="838095" progId="PBrush">
                   <p:embed/>
                 </p:oleObj>
               </mc:Choice>
@@ -14347,7 +14349,7 @@
           <a:graphicData uri="http://schemas.openxmlformats.org/presentationml/2006/ole">
             <mc:AlternateContent xmlns:mc="http://schemas.openxmlformats.org/markup-compatibility/2006">
               <mc:Choice xmlns:v="urn:schemas-microsoft-com:vml" Requires="v">
-                <p:oleObj spid="_x0000_s4100" name="Bitmap Image" r:id="rId4" imgW="6058746" imgH="4944165" progId="PBrush">
+                <p:oleObj spid="_x0000_s4120" name="Bitmap Image" r:id="rId4" imgW="6058746" imgH="4944165" progId="PBrush">
                   <p:embed/>
                 </p:oleObj>
               </mc:Choice>
@@ -14440,7 +14442,7 @@
           <a:graphicData uri="http://schemas.openxmlformats.org/presentationml/2006/ole">
             <mc:AlternateContent xmlns:mc="http://schemas.openxmlformats.org/markup-compatibility/2006">
               <mc:Choice xmlns:v="urn:schemas-microsoft-com:vml" Requires="v">
-                <p:oleObj spid="_x0000_s4101" name="Bitmap Image" r:id="rId6" imgW="1914286" imgH="923810" progId="PBrush">
+                <p:oleObj spid="_x0000_s4121" name="Bitmap Image" r:id="rId6" imgW="1914286" imgH="923810" progId="PBrush">
                   <p:embed/>
                 </p:oleObj>
               </mc:Choice>
@@ -15425,146 +15427,75 @@
       </p:grpSpPr>
       <p:sp>
         <p:nvSpPr>
-          <p:cNvPr id="39940" name="Text Box 4"/>
-          <p:cNvSpPr txBox="1">
-            <a:spLocks noChangeArrowheads="1"/>
-          </p:cNvSpPr>
-          <p:nvPr/>
-        </p:nvSpPr>
-        <p:spPr bwMode="auto">
-          <a:xfrm>
-            <a:off x="898525" y="115888"/>
-            <a:ext cx="3641725" cy="1187450"/>
-          </a:xfrm>
-          <a:prstGeom prst="rect">
-            <a:avLst/>
-          </a:prstGeom>
-          <a:noFill/>
-          <a:ln w="9525">
-            <a:noFill/>
-            <a:miter lim="800000"/>
-            <a:headEnd/>
-            <a:tailEnd/>
-          </a:ln>
-          <a:effectLst/>
-        </p:spPr>
-        <p:txBody>
-          <a:bodyPr wrap="none">
+          <p:cNvPr id="4" name="TextBox 3"/>
+          <p:cNvSpPr txBox="1"/>
+          <p:nvPr/>
+        </p:nvSpPr>
+        <p:spPr>
+          <a:xfrm>
+            <a:off x="457200" y="381000"/>
+            <a:ext cx="1659429" cy="646331"/>
+          </a:xfrm>
+          <a:prstGeom prst="rect">
+            <a:avLst/>
+          </a:prstGeom>
+          <a:noFill/>
+        </p:spPr>
+        <p:txBody>
+          <a:bodyPr wrap="none" rtlCol="0">
             <a:spAutoFit/>
           </a:bodyPr>
           <a:lstStyle/>
           <a:p>
             <a:r>
-              <a:rPr lang="en-US"/>
-              <a:t>The hashCode() contract:</a:t>
-            </a:r>
-          </a:p>
-          <a:p>
-            <a:endParaRPr lang="en-US"/>
-          </a:p>
-          <a:p>
-            <a:endParaRPr lang="en-US"/>
-          </a:p>
-        </p:txBody>
-      </p:sp>
-      <p:sp>
-        <p:nvSpPr>
-          <p:cNvPr id="39941" name="Text Box 5"/>
-          <p:cNvSpPr txBox="1">
-            <a:spLocks noChangeArrowheads="1"/>
-          </p:cNvSpPr>
-          <p:nvPr/>
-        </p:nvSpPr>
-        <p:spPr bwMode="auto">
-          <a:xfrm>
-            <a:off x="1279525" y="877888"/>
-            <a:ext cx="5057988" cy="3139321"/>
-          </a:xfrm>
-          <a:prstGeom prst="rect">
-            <a:avLst/>
-          </a:prstGeom>
-          <a:noFill/>
-          <a:ln w="9525">
-            <a:noFill/>
-            <a:miter lim="800000"/>
-            <a:headEnd/>
-            <a:tailEnd/>
-          </a:ln>
-          <a:effectLst/>
-        </p:spPr>
-        <p:txBody>
-          <a:bodyPr wrap="none">
-            <a:spAutoFit/>
-          </a:bodyPr>
-          <a:lstStyle/>
-          <a:p>
-            <a:r>
-              <a:rPr lang="en-US" dirty="0"/>
-              <a:t>When invoked on the same object, it must return</a:t>
-            </a:r>
-          </a:p>
-          <a:p>
-            <a:r>
-              <a:rPr lang="en-US" dirty="0"/>
-              <a:t>the same hash, unless the state of the object </a:t>
-            </a:r>
-          </a:p>
-          <a:p>
-            <a:r>
-              <a:rPr lang="en-US" dirty="0"/>
-              <a:t>used for equals() has changed.  Does not have</a:t>
-            </a:r>
-          </a:p>
-          <a:p>
-            <a:r>
-              <a:rPr lang="en-US" dirty="0"/>
-              <a:t>to remain the same for different executions.</a:t>
-            </a:r>
-          </a:p>
-          <a:p>
-            <a:endParaRPr lang="en-US" dirty="0"/>
-          </a:p>
-          <a:p>
-            <a:r>
-              <a:rPr lang="en-US" dirty="0"/>
-              <a:t>If two objects are equal, then calling the </a:t>
-            </a:r>
-            <a:r>
-              <a:rPr lang="en-US" dirty="0" err="1"/>
-              <a:t>hashCode</a:t>
-            </a:r>
-            <a:endParaRPr lang="en-US" dirty="0"/>
-          </a:p>
-          <a:p>
-            <a:r>
-              <a:rPr lang="en-US" dirty="0"/>
-              <a:t>method on each of the two objects must produce</a:t>
-            </a:r>
-          </a:p>
-          <a:p>
-            <a:r>
-              <a:rPr lang="en-US" dirty="0"/>
-              <a:t>the same hash.</a:t>
-            </a:r>
-          </a:p>
-          <a:p>
-            <a:endParaRPr lang="en-US" dirty="0"/>
-          </a:p>
-          <a:p>
-            <a:r>
-              <a:rPr lang="en-US" dirty="0"/>
-              <a:t>Two objects that are not equal may return the same</a:t>
-            </a:r>
-          </a:p>
-          <a:p>
-            <a:r>
-              <a:rPr lang="en-US" dirty="0"/>
-              <a:t>hash, but this may degrade performance.</a:t>
-            </a:r>
-          </a:p>
-        </p:txBody>
-      </p:sp>
+              <a:rPr lang="en-US" dirty="0">
+                <a:latin typeface="Arial" panose="020B0604020202020204" pitchFamily="34" charset="0"/>
+                <a:cs typeface="Arial" panose="020B0604020202020204" pitchFamily="34" charset="0"/>
+              </a:rPr>
+              <a:t>Bloch Item #9:</a:t>
+            </a:r>
+          </a:p>
+          <a:p>
+            <a:r>
+              <a:rPr lang="en-US" dirty="0">
+                <a:latin typeface="Arial" panose="020B0604020202020204" pitchFamily="34" charset="0"/>
+                <a:cs typeface="Arial" panose="020B0604020202020204" pitchFamily="34" charset="0"/>
+              </a:rPr>
+              <a:t>	</a:t>
+            </a:r>
+          </a:p>
+        </p:txBody>
+      </p:sp>
+      <p:pic>
+        <p:nvPicPr>
+          <p:cNvPr id="5" name="Picture 4"/>
+          <p:cNvPicPr>
+            <a:picLocks noChangeAspect="1"/>
+          </p:cNvPicPr>
+          <p:nvPr/>
+        </p:nvPicPr>
+        <p:blipFill>
+          <a:blip r:embed="rId2"/>
+          <a:stretch>
+            <a:fillRect/>
+          </a:stretch>
+        </p:blipFill>
+        <p:spPr>
+          <a:xfrm>
+            <a:off x="1676400" y="1143000"/>
+            <a:ext cx="5248275" cy="3762375"/>
+          </a:xfrm>
+          <a:prstGeom prst="rect">
+            <a:avLst/>
+          </a:prstGeom>
+        </p:spPr>
+      </p:pic>
     </p:spTree>
+    <p:extLst>
+      <p:ext uri="{BB962C8B-B14F-4D97-AF65-F5344CB8AC3E}">
+        <p14:creationId xmlns:p14="http://schemas.microsoft.com/office/powerpoint/2010/main" val="3405684566"/>
+      </p:ext>
+    </p:extLst>
   </p:cSld>
   <p:clrMapOvr>
     <a:masterClrMapping/>
@@ -15589,6 +15520,172 @@
           <a:chExt cx="0" cy="0"/>
         </a:xfrm>
       </p:grpSpPr>
+      <p:sp>
+        <p:nvSpPr>
+          <p:cNvPr id="39940" name="Text Box 4"/>
+          <p:cNvSpPr txBox="1">
+            <a:spLocks noChangeArrowheads="1"/>
+          </p:cNvSpPr>
+          <p:nvPr/>
+        </p:nvSpPr>
+        <p:spPr bwMode="auto">
+          <a:xfrm>
+            <a:off x="898525" y="115888"/>
+            <a:ext cx="3641725" cy="1187450"/>
+          </a:xfrm>
+          <a:prstGeom prst="rect">
+            <a:avLst/>
+          </a:prstGeom>
+          <a:noFill/>
+          <a:ln w="9525">
+            <a:noFill/>
+            <a:miter lim="800000"/>
+            <a:headEnd/>
+            <a:tailEnd/>
+          </a:ln>
+          <a:effectLst/>
+        </p:spPr>
+        <p:txBody>
+          <a:bodyPr wrap="none">
+            <a:spAutoFit/>
+          </a:bodyPr>
+          <a:lstStyle/>
+          <a:p>
+            <a:r>
+              <a:rPr lang="en-US"/>
+              <a:t>The hashCode() contract:</a:t>
+            </a:r>
+          </a:p>
+          <a:p>
+            <a:endParaRPr lang="en-US"/>
+          </a:p>
+          <a:p>
+            <a:endParaRPr lang="en-US"/>
+          </a:p>
+        </p:txBody>
+      </p:sp>
+      <p:sp>
+        <p:nvSpPr>
+          <p:cNvPr id="39941" name="Text Box 5"/>
+          <p:cNvSpPr txBox="1">
+            <a:spLocks noChangeArrowheads="1"/>
+          </p:cNvSpPr>
+          <p:nvPr/>
+        </p:nvSpPr>
+        <p:spPr bwMode="auto">
+          <a:xfrm>
+            <a:off x="1279525" y="877888"/>
+            <a:ext cx="5057988" cy="3139321"/>
+          </a:xfrm>
+          <a:prstGeom prst="rect">
+            <a:avLst/>
+          </a:prstGeom>
+          <a:noFill/>
+          <a:ln w="9525">
+            <a:noFill/>
+            <a:miter lim="800000"/>
+            <a:headEnd/>
+            <a:tailEnd/>
+          </a:ln>
+          <a:effectLst/>
+        </p:spPr>
+        <p:txBody>
+          <a:bodyPr wrap="none">
+            <a:spAutoFit/>
+          </a:bodyPr>
+          <a:lstStyle/>
+          <a:p>
+            <a:r>
+              <a:rPr lang="en-US" dirty="0"/>
+              <a:t>When invoked on the same object, it must return</a:t>
+            </a:r>
+          </a:p>
+          <a:p>
+            <a:r>
+              <a:rPr lang="en-US" dirty="0"/>
+              <a:t>the same hash, unless the state of the object </a:t>
+            </a:r>
+          </a:p>
+          <a:p>
+            <a:r>
+              <a:rPr lang="en-US" dirty="0"/>
+              <a:t>used for equals() has changed.  Does not have</a:t>
+            </a:r>
+          </a:p>
+          <a:p>
+            <a:r>
+              <a:rPr lang="en-US" dirty="0"/>
+              <a:t>to remain the same for different executions.</a:t>
+            </a:r>
+          </a:p>
+          <a:p>
+            <a:endParaRPr lang="en-US" dirty="0"/>
+          </a:p>
+          <a:p>
+            <a:r>
+              <a:rPr lang="en-US" dirty="0"/>
+              <a:t>If two objects are equal, then calling the </a:t>
+            </a:r>
+            <a:r>
+              <a:rPr lang="en-US" dirty="0" err="1"/>
+              <a:t>hashCode</a:t>
+            </a:r>
+            <a:endParaRPr lang="en-US" dirty="0"/>
+          </a:p>
+          <a:p>
+            <a:r>
+              <a:rPr lang="en-US" dirty="0"/>
+              <a:t>method on each of the two objects must produce</a:t>
+            </a:r>
+          </a:p>
+          <a:p>
+            <a:r>
+              <a:rPr lang="en-US" dirty="0"/>
+              <a:t>the same hash.</a:t>
+            </a:r>
+          </a:p>
+          <a:p>
+            <a:endParaRPr lang="en-US" dirty="0"/>
+          </a:p>
+          <a:p>
+            <a:r>
+              <a:rPr lang="en-US" dirty="0"/>
+              <a:t>Two objects that are not equal may return the same</a:t>
+            </a:r>
+          </a:p>
+          <a:p>
+            <a:r>
+              <a:rPr lang="en-US" dirty="0"/>
+              <a:t>hash, but this may degrade performance.</a:t>
+            </a:r>
+          </a:p>
+        </p:txBody>
+      </p:sp>
+    </p:spTree>
+  </p:cSld>
+  <p:clrMapOvr>
+    <a:masterClrMapping/>
+  </p:clrMapOvr>
+</p:sld>
+</file>
+
+<file path=ppt/slides/slide38.xml><?xml version="1.0" encoding="utf-8"?>
+<p:sld xmlns:a="http://schemas.openxmlformats.org/drawingml/2006/main" xmlns:r="http://schemas.openxmlformats.org/officeDocument/2006/relationships" xmlns:p="http://schemas.openxmlformats.org/presentationml/2006/main">
+  <p:cSld>
+    <p:spTree>
+      <p:nvGrpSpPr>
+        <p:cNvPr id="1" name=""/>
+        <p:cNvGrpSpPr/>
+        <p:nvPr/>
+      </p:nvGrpSpPr>
+      <p:grpSpPr>
+        <a:xfrm>
+          <a:off x="0" y="0"/>
+          <a:ext cx="0" cy="0"/>
+          <a:chOff x="0" y="0"/>
+          <a:chExt cx="0" cy="0"/>
+        </a:xfrm>
+      </p:grpSpPr>
       <p:graphicFrame>
         <p:nvGraphicFramePr>
           <p:cNvPr id="78848" name="Object 1024"/>
@@ -15605,7 +15702,7 @@
           <a:graphicData uri="http://schemas.openxmlformats.org/presentationml/2006/ole">
             <mc:AlternateContent xmlns:mc="http://schemas.openxmlformats.org/markup-compatibility/2006">
               <mc:Choice xmlns:v="urn:schemas-microsoft-com:vml" Requires="v">
-                <p:oleObj spid="_x0000_s5124" name="Bitmap Image" r:id="rId4" imgW="5114286" imgH="5334745" progId="PBrush">
+                <p:oleObj spid="_x0000_s5144" name="Bitmap Image" r:id="rId4" imgW="5114286" imgH="5334745" progId="PBrush">
                   <p:embed/>
                 </p:oleObj>
               </mc:Choice>
@@ -15742,7 +15839,7 @@
           <a:graphicData uri="http://schemas.openxmlformats.org/presentationml/2006/ole">
             <mc:AlternateContent xmlns:mc="http://schemas.openxmlformats.org/markup-compatibility/2006">
               <mc:Choice xmlns:v="urn:schemas-microsoft-com:vml" Requires="v">
-                <p:oleObj spid="_x0000_s5125" name="Bitmap Image" r:id="rId6" imgW="2257740" imgH="790476" progId="PBrush">
+                <p:oleObj spid="_x0000_s5145" name="Bitmap Image" r:id="rId6" imgW="2257740" imgH="790476" progId="PBrush">
                   <p:embed/>
                 </p:oleObj>
               </mc:Choice>
@@ -15827,523 +15924,6 @@
 </p:sld>
 </file>
 
-<file path=ppt/slides/slide38.xml><?xml version="1.0" encoding="utf-8"?>
-<p:sld xmlns:a="http://schemas.openxmlformats.org/drawingml/2006/main" xmlns:r="http://schemas.openxmlformats.org/officeDocument/2006/relationships" xmlns:p="http://schemas.openxmlformats.org/presentationml/2006/main">
-  <p:cSld>
-    <p:spTree>
-      <p:nvGrpSpPr>
-        <p:cNvPr id="1" name=""/>
-        <p:cNvGrpSpPr/>
-        <p:nvPr/>
-      </p:nvGrpSpPr>
-      <p:grpSpPr>
-        <a:xfrm>
-          <a:off x="0" y="0"/>
-          <a:ext cx="0" cy="0"/>
-          <a:chOff x="0" y="0"/>
-          <a:chExt cx="0" cy="0"/>
-        </a:xfrm>
-      </p:grpSpPr>
-      <p:sp>
-        <p:nvSpPr>
-          <p:cNvPr id="45061" name="Text Box 5"/>
-          <p:cNvSpPr txBox="1">
-            <a:spLocks noChangeArrowheads="1"/>
-          </p:cNvSpPr>
-          <p:nvPr/>
-        </p:nvSpPr>
-        <p:spPr bwMode="auto">
-          <a:xfrm>
-            <a:off x="974725" y="192088"/>
-            <a:ext cx="4200525" cy="457200"/>
-          </a:xfrm>
-          <a:prstGeom prst="rect">
-            <a:avLst/>
-          </a:prstGeom>
-          <a:noFill/>
-          <a:ln w="9525">
-            <a:noFill/>
-            <a:miter lim="800000"/>
-            <a:headEnd/>
-            <a:tailEnd/>
-          </a:ln>
-          <a:effectLst/>
-        </p:spPr>
-        <p:txBody>
-          <a:bodyPr wrap="none">
-            <a:spAutoFit/>
-          </a:bodyPr>
-          <a:lstStyle/>
-          <a:p>
-            <a:r>
-              <a:rPr lang="en-US"/>
-              <a:t>HashSets work with “buckets”</a:t>
-            </a:r>
-          </a:p>
-        </p:txBody>
-      </p:sp>
-      <p:sp>
-        <p:nvSpPr>
-          <p:cNvPr id="45062" name="Text Box 6"/>
-          <p:cNvSpPr txBox="1">
-            <a:spLocks noChangeArrowheads="1"/>
-          </p:cNvSpPr>
-          <p:nvPr/>
-        </p:nvSpPr>
-        <p:spPr bwMode="auto">
-          <a:xfrm>
-            <a:off x="1244600" y="1066800"/>
-            <a:ext cx="965200" cy="457200"/>
-          </a:xfrm>
-          <a:prstGeom prst="rect">
-            <a:avLst/>
-          </a:prstGeom>
-          <a:noFill/>
-          <a:ln w="9525">
-            <a:noFill/>
-            <a:miter lim="800000"/>
-            <a:headEnd/>
-            <a:tailEnd/>
-          </a:ln>
-          <a:effectLst/>
-        </p:spPr>
-        <p:txBody>
-          <a:bodyPr wrap="none">
-            <a:spAutoFit/>
-          </a:bodyPr>
-          <a:lstStyle/>
-          <a:p>
-            <a:r>
-              <a:rPr lang="en-US"/>
-              <a:t>Circle</a:t>
-            </a:r>
-          </a:p>
-        </p:txBody>
-      </p:sp>
-      <p:sp>
-        <p:nvSpPr>
-          <p:cNvPr id="45063" name="Line 7"/>
-          <p:cNvSpPr>
-            <a:spLocks noChangeShapeType="1"/>
-          </p:cNvSpPr>
-          <p:nvPr/>
-        </p:nvSpPr>
-        <p:spPr bwMode="auto">
-          <a:xfrm>
-            <a:off x="1676400" y="1447800"/>
-            <a:ext cx="0" cy="609600"/>
-          </a:xfrm>
-          <a:prstGeom prst="line">
-            <a:avLst/>
-          </a:prstGeom>
-          <a:noFill/>
-          <a:ln w="9525">
-            <a:solidFill>
-              <a:schemeClr val="tx1"/>
-            </a:solidFill>
-            <a:round/>
-            <a:headEnd/>
-            <a:tailEnd type="triangle" w="med" len="med"/>
-          </a:ln>
-          <a:effectLst/>
-        </p:spPr>
-        <p:txBody>
-          <a:bodyPr/>
-          <a:lstStyle/>
-          <a:p>
-            <a:endParaRPr lang="en-US"/>
-          </a:p>
-        </p:txBody>
-      </p:sp>
-      <p:sp>
-        <p:nvSpPr>
-          <p:cNvPr id="45064" name="Text Box 8"/>
-          <p:cNvSpPr txBox="1">
-            <a:spLocks noChangeArrowheads="1"/>
-          </p:cNvSpPr>
-          <p:nvPr/>
-        </p:nvSpPr>
-        <p:spPr bwMode="auto">
-          <a:xfrm>
-            <a:off x="1127125" y="2020888"/>
-            <a:ext cx="3559175" cy="457200"/>
-          </a:xfrm>
-          <a:prstGeom prst="rect">
-            <a:avLst/>
-          </a:prstGeom>
-          <a:noFill/>
-          <a:ln w="9525">
-            <a:noFill/>
-            <a:miter lim="800000"/>
-            <a:headEnd/>
-            <a:tailEnd/>
-          </a:ln>
-          <a:effectLst/>
-        </p:spPr>
-        <p:txBody>
-          <a:bodyPr wrap="none">
-            <a:spAutoFit/>
-          </a:bodyPr>
-          <a:lstStyle/>
-          <a:p>
-            <a:r>
-              <a:rPr lang="en-US"/>
-              <a:t>HashCode for Circle </a:t>
-            </a:r>
-            <a:r>
-              <a:rPr lang="en-US">
-                <a:solidFill>
-                  <a:srgbClr val="FF3300"/>
-                </a:solidFill>
-              </a:rPr>
-              <a:t>(42)</a:t>
-            </a:r>
-          </a:p>
-        </p:txBody>
-      </p:sp>
-      <p:sp>
-        <p:nvSpPr>
-          <p:cNvPr id="45065" name="Line 9"/>
-          <p:cNvSpPr>
-            <a:spLocks noChangeShapeType="1"/>
-          </p:cNvSpPr>
-          <p:nvPr/>
-        </p:nvSpPr>
-        <p:spPr bwMode="auto">
-          <a:xfrm>
-            <a:off x="1676400" y="2514600"/>
-            <a:ext cx="0" cy="533400"/>
-          </a:xfrm>
-          <a:prstGeom prst="line">
-            <a:avLst/>
-          </a:prstGeom>
-          <a:noFill/>
-          <a:ln w="9525">
-            <a:solidFill>
-              <a:schemeClr val="tx1"/>
-            </a:solidFill>
-            <a:round/>
-            <a:headEnd/>
-            <a:tailEnd type="triangle" w="med" len="med"/>
-          </a:ln>
-          <a:effectLst/>
-        </p:spPr>
-        <p:txBody>
-          <a:bodyPr/>
-          <a:lstStyle/>
-          <a:p>
-            <a:endParaRPr lang="en-US"/>
-          </a:p>
-        </p:txBody>
-      </p:sp>
-      <p:sp>
-        <p:nvSpPr>
-          <p:cNvPr id="45066" name="Text Box 10"/>
-          <p:cNvSpPr txBox="1">
-            <a:spLocks noChangeArrowheads="1"/>
-          </p:cNvSpPr>
-          <p:nvPr/>
-        </p:nvSpPr>
-        <p:spPr bwMode="auto">
-          <a:xfrm>
-            <a:off x="1066800" y="3087688"/>
-            <a:ext cx="4570413" cy="457200"/>
-          </a:xfrm>
-          <a:prstGeom prst="rect">
-            <a:avLst/>
-          </a:prstGeom>
-          <a:noFill/>
-          <a:ln w="9525">
-            <a:noFill/>
-            <a:miter lim="800000"/>
-            <a:headEnd/>
-            <a:tailEnd/>
-          </a:ln>
-          <a:effectLst/>
-        </p:spPr>
-        <p:txBody>
-          <a:bodyPr wrap="none">
-            <a:spAutoFit/>
-          </a:bodyPr>
-          <a:lstStyle/>
-          <a:p>
-            <a:r>
-              <a:rPr lang="en-US"/>
-              <a:t>An Index for an Array of Buckets</a:t>
-            </a:r>
-          </a:p>
-        </p:txBody>
-      </p:sp>
-      <p:sp>
-        <p:nvSpPr>
-          <p:cNvPr id="45067" name="Text Box 11"/>
-          <p:cNvSpPr txBox="1">
-            <a:spLocks noChangeArrowheads="1"/>
-          </p:cNvSpPr>
-          <p:nvPr/>
-        </p:nvSpPr>
-        <p:spPr bwMode="auto">
-          <a:xfrm>
-            <a:off x="990600" y="593725"/>
-            <a:ext cx="7113588" cy="457200"/>
-          </a:xfrm>
-          <a:prstGeom prst="rect">
-            <a:avLst/>
-          </a:prstGeom>
-          <a:noFill/>
-          <a:ln w="9525">
-            <a:noFill/>
-            <a:miter lim="800000"/>
-            <a:headEnd/>
-            <a:tailEnd/>
-          </a:ln>
-          <a:effectLst/>
-        </p:spPr>
-        <p:txBody>
-          <a:bodyPr wrap="none">
-            <a:spAutoFit/>
-          </a:bodyPr>
-          <a:lstStyle/>
-          <a:p>
-            <a:r>
-              <a:rPr lang="en-US"/>
-              <a:t>When you call </a:t>
-            </a:r>
-            <a:r>
-              <a:rPr lang="en-US">
-                <a:solidFill>
-                  <a:srgbClr val="000000"/>
-                </a:solidFill>
-                <a:latin typeface="Courier New" pitchFamily="49" charset="0"/>
-              </a:rPr>
-              <a:t>set.contains(</a:t>
-            </a:r>
-            <a:r>
-              <a:rPr lang="en-US" b="1">
-                <a:solidFill>
-                  <a:srgbClr val="7F0055"/>
-                </a:solidFill>
-                <a:latin typeface="Courier New" pitchFamily="49" charset="0"/>
-              </a:rPr>
-              <a:t>new</a:t>
-            </a:r>
-            <a:r>
-              <a:rPr lang="en-US">
-                <a:solidFill>
-                  <a:srgbClr val="000000"/>
-                </a:solidFill>
-                <a:latin typeface="Courier New" pitchFamily="49" charset="0"/>
-              </a:rPr>
-              <a:t> Circle(5))</a:t>
-            </a:r>
-          </a:p>
-        </p:txBody>
-      </p:sp>
-      <p:sp>
-        <p:nvSpPr>
-          <p:cNvPr id="45068" name="Line 12"/>
-          <p:cNvSpPr>
-            <a:spLocks noChangeShapeType="1"/>
-          </p:cNvSpPr>
-          <p:nvPr/>
-        </p:nvSpPr>
-        <p:spPr bwMode="auto">
-          <a:xfrm>
-            <a:off x="1676400" y="3621088"/>
-            <a:ext cx="0" cy="533400"/>
-          </a:xfrm>
-          <a:prstGeom prst="line">
-            <a:avLst/>
-          </a:prstGeom>
-          <a:noFill/>
-          <a:ln w="9525">
-            <a:solidFill>
-              <a:schemeClr val="tx1"/>
-            </a:solidFill>
-            <a:round/>
-            <a:headEnd/>
-            <a:tailEnd type="triangle" w="med" len="med"/>
-          </a:ln>
-          <a:effectLst/>
-        </p:spPr>
-        <p:txBody>
-          <a:bodyPr/>
-          <a:lstStyle/>
-          <a:p>
-            <a:endParaRPr lang="en-US"/>
-          </a:p>
-        </p:txBody>
-      </p:sp>
-      <p:sp>
-        <p:nvSpPr>
-          <p:cNvPr id="45069" name="Text Box 13"/>
-          <p:cNvSpPr txBox="1">
-            <a:spLocks noChangeArrowheads="1"/>
-          </p:cNvSpPr>
-          <p:nvPr/>
-        </p:nvSpPr>
-        <p:spPr bwMode="auto">
-          <a:xfrm>
-            <a:off x="1127125" y="4041775"/>
-            <a:ext cx="7559675" cy="822325"/>
-          </a:xfrm>
-          <a:prstGeom prst="rect">
-            <a:avLst/>
-          </a:prstGeom>
-          <a:noFill/>
-          <a:ln w="9525">
-            <a:noFill/>
-            <a:miter lim="800000"/>
-            <a:headEnd/>
-            <a:tailEnd/>
-          </a:ln>
-          <a:effectLst/>
-        </p:spPr>
-        <p:txBody>
-          <a:bodyPr wrap="none">
-            <a:spAutoFit/>
-          </a:bodyPr>
-          <a:lstStyle/>
-          <a:p>
-            <a:r>
-              <a:rPr lang="en-US"/>
-              <a:t>Does that bucket contain a Circle equal to </a:t>
-            </a:r>
-          </a:p>
-          <a:p>
-            <a:r>
-              <a:rPr lang="en-US"/>
-              <a:t>new Circle(5) </a:t>
-            </a:r>
-            <a:r>
-              <a:rPr lang="en-US">
-                <a:solidFill>
-                  <a:srgbClr val="FF3300"/>
-                </a:solidFill>
-              </a:rPr>
-              <a:t>(we will find the circle in our one bucket!)</a:t>
-            </a:r>
-          </a:p>
-        </p:txBody>
-      </p:sp>
-      <p:sp>
-        <p:nvSpPr>
-          <p:cNvPr id="45071" name="Text Box 15"/>
-          <p:cNvSpPr txBox="1">
-            <a:spLocks noChangeArrowheads="1"/>
-          </p:cNvSpPr>
-          <p:nvPr/>
-        </p:nvSpPr>
-        <p:spPr bwMode="auto">
-          <a:xfrm>
-            <a:off x="5638800" y="3087688"/>
-            <a:ext cx="3067050" cy="822325"/>
-          </a:xfrm>
-          <a:prstGeom prst="rect">
-            <a:avLst/>
-          </a:prstGeom>
-          <a:noFill/>
-          <a:ln w="9525">
-            <a:noFill/>
-            <a:miter lim="800000"/>
-            <a:headEnd/>
-            <a:tailEnd/>
-          </a:ln>
-          <a:effectLst/>
-        </p:spPr>
-        <p:txBody>
-          <a:bodyPr wrap="none">
-            <a:spAutoFit/>
-          </a:bodyPr>
-          <a:lstStyle/>
-          <a:p>
-            <a:r>
-              <a:rPr lang="en-US">
-                <a:solidFill>
-                  <a:srgbClr val="FF3300"/>
-                </a:solidFill>
-              </a:rPr>
-              <a:t>(will always be same </a:t>
-            </a:r>
-          </a:p>
-          <a:p>
-            <a:r>
-              <a:rPr lang="en-US">
-                <a:solidFill>
-                  <a:srgbClr val="FF3300"/>
-                </a:solidFill>
-              </a:rPr>
-              <a:t>bucket)</a:t>
-            </a:r>
-          </a:p>
-        </p:txBody>
-      </p:sp>
-      <p:sp>
-        <p:nvSpPr>
-          <p:cNvPr id="45072" name="Text Box 16"/>
-          <p:cNvSpPr txBox="1">
-            <a:spLocks noChangeArrowheads="1"/>
-          </p:cNvSpPr>
-          <p:nvPr/>
-        </p:nvSpPr>
-        <p:spPr bwMode="auto">
-          <a:xfrm>
-            <a:off x="533400" y="5181600"/>
-            <a:ext cx="7498912" cy="923330"/>
-          </a:xfrm>
-          <a:prstGeom prst="rect">
-            <a:avLst/>
-          </a:prstGeom>
-          <a:noFill/>
-          <a:ln w="9525">
-            <a:noFill/>
-            <a:miter lim="800000"/>
-            <a:headEnd/>
-            <a:tailEnd/>
-          </a:ln>
-          <a:effectLst/>
-        </p:spPr>
-        <p:txBody>
-          <a:bodyPr wrap="none">
-            <a:spAutoFit/>
-          </a:bodyPr>
-          <a:lstStyle/>
-          <a:p>
-            <a:r>
-              <a:rPr lang="en-US" dirty="0"/>
-              <a:t>This works, but the performance for contains will degrade from constant time </a:t>
-            </a:r>
-          </a:p>
-          <a:p>
-            <a:r>
-              <a:rPr lang="en-US" dirty="0"/>
-              <a:t>(which it should be for a </a:t>
-            </a:r>
-            <a:r>
-              <a:rPr lang="en-US" dirty="0" err="1"/>
-              <a:t>HashSet</a:t>
-            </a:r>
-            <a:r>
-              <a:rPr lang="en-US" dirty="0"/>
-              <a:t>) to linear time (as if this were a List).</a:t>
-            </a:r>
-          </a:p>
-          <a:p>
-            <a:r>
-              <a:rPr lang="en-US" dirty="0"/>
-              <a:t>We’ll have to iterate through every object in our one bucket</a:t>
-            </a:r>
-          </a:p>
-        </p:txBody>
-      </p:sp>
-    </p:spTree>
-  </p:cSld>
-  <p:clrMapOvr>
-    <a:masterClrMapping/>
-  </p:clrMapOvr>
-</p:sld>
-</file>
-
 <file path=ppt/slides/slide39.xml><?xml version="1.0" encoding="utf-8"?>
 <p:sld xmlns:a="http://schemas.openxmlformats.org/drawingml/2006/main" xmlns:r="http://schemas.openxmlformats.org/officeDocument/2006/relationships" xmlns:p="http://schemas.openxmlformats.org/presentationml/2006/main">
   <p:cSld>
@@ -16361,25 +15941,18 @@
           <a:chExt cx="0" cy="0"/>
         </a:xfrm>
       </p:grpSpPr>
-      <p:pic>
-        <p:nvPicPr>
-          <p:cNvPr id="4" name="Picture 2"/>
-          <p:cNvPicPr>
-            <a:picLocks noChangeAspect="1" noChangeArrowheads="1"/>
-          </p:cNvPicPr>
-          <p:nvPr/>
-        </p:nvPicPr>
-        <p:blipFill>
-          <a:blip r:embed="rId3" cstate="print"/>
-          <a:srcRect/>
-          <a:stretch>
-            <a:fillRect/>
-          </a:stretch>
-        </p:blipFill>
+      <p:sp>
+        <p:nvSpPr>
+          <p:cNvPr id="45061" name="Text Box 5"/>
+          <p:cNvSpPr txBox="1">
+            <a:spLocks noChangeArrowheads="1"/>
+          </p:cNvSpPr>
+          <p:nvPr/>
+        </p:nvSpPr>
         <p:spPr bwMode="auto">
           <a:xfrm>
-            <a:off x="833438" y="542925"/>
-            <a:ext cx="7477125" cy="5772150"/>
+            <a:off x="974725" y="192088"/>
+            <a:ext cx="4200525" cy="457200"/>
           </a:xfrm>
           <a:prstGeom prst="rect">
             <a:avLst/>
@@ -16391,22 +15964,7 @@
             <a:headEnd/>
             <a:tailEnd/>
           </a:ln>
-        </p:spPr>
-      </p:pic>
-      <p:sp>
-        <p:nvSpPr>
-          <p:cNvPr id="5" name="Rectangle 4"/>
-          <p:cNvSpPr/>
-          <p:nvPr/>
-        </p:nvSpPr>
-        <p:spPr>
-          <a:xfrm>
-            <a:off x="4800600" y="6324600"/>
-            <a:ext cx="3984809" cy="369332"/>
-          </a:xfrm>
-          <a:prstGeom prst="rect">
-            <a:avLst/>
-          </a:prstGeom>
+          <a:effectLst/>
         </p:spPr>
         <p:txBody>
           <a:bodyPr wrap="none">
@@ -16415,149 +15973,466 @@
           <a:lstStyle/>
           <a:p>
             <a:r>
-              <a:rPr lang="en-US" dirty="0">
-                <a:hlinkClick r:id="rId4"/>
-              </a:rPr>
-              <a:t>http://en.wikipedia.org/wiki/Hash_table</a:t>
-            </a:r>
-            <a:endParaRPr lang="en-US" dirty="0"/>
-          </a:p>
-        </p:txBody>
-      </p:sp>
-      <p:sp>
-        <p:nvSpPr>
-          <p:cNvPr id="6" name="TextBox 5"/>
-          <p:cNvSpPr txBox="1"/>
-          <p:nvPr/>
-        </p:nvSpPr>
-        <p:spPr>
-          <a:xfrm>
-            <a:off x="-40925" y="0"/>
-            <a:ext cx="9261125" cy="646331"/>
-          </a:xfrm>
-          <a:prstGeom prst="rect">
-            <a:avLst/>
-          </a:prstGeom>
-          <a:noFill/>
-        </p:spPr>
-        <p:txBody>
-          <a:bodyPr wrap="none" rtlCol="0">
+              <a:rPr lang="en-US"/>
+              <a:t>HashSets work with “buckets”</a:t>
+            </a:r>
+          </a:p>
+        </p:txBody>
+      </p:sp>
+      <p:sp>
+        <p:nvSpPr>
+          <p:cNvPr id="45062" name="Text Box 6"/>
+          <p:cNvSpPr txBox="1">
+            <a:spLocks noChangeArrowheads="1"/>
+          </p:cNvSpPr>
+          <p:nvPr/>
+        </p:nvSpPr>
+        <p:spPr bwMode="auto">
+          <a:xfrm>
+            <a:off x="1244600" y="1066800"/>
+            <a:ext cx="965200" cy="457200"/>
+          </a:xfrm>
+          <a:prstGeom prst="rect">
+            <a:avLst/>
+          </a:prstGeom>
+          <a:noFill/>
+          <a:ln w="9525">
+            <a:noFill/>
+            <a:miter lim="800000"/>
+            <a:headEnd/>
+            <a:tailEnd/>
+          </a:ln>
+          <a:effectLst/>
+        </p:spPr>
+        <p:txBody>
+          <a:bodyPr wrap="none">
             <a:spAutoFit/>
           </a:bodyPr>
           <a:lstStyle/>
           <a:p>
             <a:r>
-              <a:rPr lang="en-US" dirty="0"/>
-              <a:t>With a bad (but legal) hash function (like “return 42”) we will achieve the Worst Case complexity </a:t>
-            </a:r>
-          </a:p>
-          <a:p>
-            <a:r>
-              <a:rPr lang="en-US" dirty="0"/>
-              <a:t>(but our program will still be correct)</a:t>
-            </a:r>
-          </a:p>
-        </p:txBody>
-      </p:sp>
-      <p:cxnSp>
-        <p:nvCxnSpPr>
-          <p:cNvPr id="8" name="Straight Arrow Connector 7"/>
-          <p:cNvCxnSpPr/>
-          <p:nvPr/>
-        </p:nvCxnSpPr>
-        <p:spPr>
-          <a:xfrm flipH="1">
-            <a:off x="7620000" y="2971800"/>
-            <a:ext cx="914400" cy="0"/>
-          </a:xfrm>
-          <a:prstGeom prst="straightConnector1">
-            <a:avLst/>
-          </a:prstGeom>
-          <a:ln>
-            <a:tailEnd type="arrow"/>
+              <a:rPr lang="en-US"/>
+              <a:t>Circle</a:t>
+            </a:r>
+          </a:p>
+        </p:txBody>
+      </p:sp>
+      <p:sp>
+        <p:nvSpPr>
+          <p:cNvPr id="45063" name="Line 7"/>
+          <p:cNvSpPr>
+            <a:spLocks noChangeShapeType="1"/>
+          </p:cNvSpPr>
+          <p:nvPr/>
+        </p:nvSpPr>
+        <p:spPr bwMode="auto">
+          <a:xfrm>
+            <a:off x="1676400" y="1447800"/>
+            <a:ext cx="0" cy="609600"/>
+          </a:xfrm>
+          <a:prstGeom prst="line">
+            <a:avLst/>
+          </a:prstGeom>
+          <a:noFill/>
+          <a:ln w="9525">
+            <a:solidFill>
+              <a:schemeClr val="tx1"/>
+            </a:solidFill>
+            <a:round/>
+            <a:headEnd/>
+            <a:tailEnd type="triangle" w="med" len="med"/>
           </a:ln>
-        </p:spPr>
-        <p:style>
-          <a:lnRef idx="1">
-            <a:schemeClr val="accent1"/>
-          </a:lnRef>
-          <a:fillRef idx="0">
-            <a:schemeClr val="accent1"/>
-          </a:fillRef>
-          <a:effectRef idx="0">
-            <a:schemeClr val="accent1"/>
-          </a:effectRef>
-          <a:fontRef idx="minor">
-            <a:schemeClr val="tx1"/>
-          </a:fontRef>
-        </p:style>
-      </p:cxnSp>
-      <p:cxnSp>
-        <p:nvCxnSpPr>
-          <p:cNvPr id="9" name="Straight Arrow Connector 8"/>
-          <p:cNvCxnSpPr/>
-          <p:nvPr/>
-        </p:nvCxnSpPr>
-        <p:spPr>
-          <a:xfrm flipH="1">
-            <a:off x="7620000" y="3124200"/>
-            <a:ext cx="914400" cy="0"/>
-          </a:xfrm>
-          <a:prstGeom prst="straightConnector1">
-            <a:avLst/>
-          </a:prstGeom>
-          <a:ln>
-            <a:tailEnd type="arrow"/>
+          <a:effectLst/>
+        </p:spPr>
+        <p:txBody>
+          <a:bodyPr/>
+          <a:lstStyle/>
+          <a:p>
+            <a:endParaRPr lang="en-US"/>
+          </a:p>
+        </p:txBody>
+      </p:sp>
+      <p:sp>
+        <p:nvSpPr>
+          <p:cNvPr id="45064" name="Text Box 8"/>
+          <p:cNvSpPr txBox="1">
+            <a:spLocks noChangeArrowheads="1"/>
+          </p:cNvSpPr>
+          <p:nvPr/>
+        </p:nvSpPr>
+        <p:spPr bwMode="auto">
+          <a:xfrm>
+            <a:off x="1127125" y="2020888"/>
+            <a:ext cx="3559175" cy="457200"/>
+          </a:xfrm>
+          <a:prstGeom prst="rect">
+            <a:avLst/>
+          </a:prstGeom>
+          <a:noFill/>
+          <a:ln w="9525">
+            <a:noFill/>
+            <a:miter lim="800000"/>
+            <a:headEnd/>
+            <a:tailEnd/>
           </a:ln>
-        </p:spPr>
-        <p:style>
-          <a:lnRef idx="1">
-            <a:schemeClr val="accent1"/>
-          </a:lnRef>
-          <a:fillRef idx="0">
-            <a:schemeClr val="accent1"/>
-          </a:fillRef>
-          <a:effectRef idx="0">
-            <a:schemeClr val="accent1"/>
-          </a:effectRef>
-          <a:fontRef idx="minor">
-            <a:schemeClr val="tx1"/>
-          </a:fontRef>
-        </p:style>
-      </p:cxnSp>
-      <p:cxnSp>
-        <p:nvCxnSpPr>
-          <p:cNvPr id="10" name="Straight Arrow Connector 9"/>
-          <p:cNvCxnSpPr/>
-          <p:nvPr/>
-        </p:nvCxnSpPr>
-        <p:spPr>
-          <a:xfrm flipH="1">
-            <a:off x="7620000" y="3581400"/>
-            <a:ext cx="914400" cy="0"/>
-          </a:xfrm>
-          <a:prstGeom prst="straightConnector1">
-            <a:avLst/>
-          </a:prstGeom>
-          <a:ln>
-            <a:tailEnd type="arrow"/>
+          <a:effectLst/>
+        </p:spPr>
+        <p:txBody>
+          <a:bodyPr wrap="none">
+            <a:spAutoFit/>
+          </a:bodyPr>
+          <a:lstStyle/>
+          <a:p>
+            <a:r>
+              <a:rPr lang="en-US"/>
+              <a:t>HashCode for Circle </a:t>
+            </a:r>
+            <a:r>
+              <a:rPr lang="en-US">
+                <a:solidFill>
+                  <a:srgbClr val="FF3300"/>
+                </a:solidFill>
+              </a:rPr>
+              <a:t>(42)</a:t>
+            </a:r>
+          </a:p>
+        </p:txBody>
+      </p:sp>
+      <p:sp>
+        <p:nvSpPr>
+          <p:cNvPr id="45065" name="Line 9"/>
+          <p:cNvSpPr>
+            <a:spLocks noChangeShapeType="1"/>
+          </p:cNvSpPr>
+          <p:nvPr/>
+        </p:nvSpPr>
+        <p:spPr bwMode="auto">
+          <a:xfrm>
+            <a:off x="1676400" y="2514600"/>
+            <a:ext cx="0" cy="533400"/>
+          </a:xfrm>
+          <a:prstGeom prst="line">
+            <a:avLst/>
+          </a:prstGeom>
+          <a:noFill/>
+          <a:ln w="9525">
+            <a:solidFill>
+              <a:schemeClr val="tx1"/>
+            </a:solidFill>
+            <a:round/>
+            <a:headEnd/>
+            <a:tailEnd type="triangle" w="med" len="med"/>
           </a:ln>
-        </p:spPr>
-        <p:style>
-          <a:lnRef idx="1">
-            <a:schemeClr val="accent1"/>
-          </a:lnRef>
-          <a:fillRef idx="0">
-            <a:schemeClr val="accent1"/>
-          </a:fillRef>
-          <a:effectRef idx="0">
-            <a:schemeClr val="accent1"/>
-          </a:effectRef>
-          <a:fontRef idx="minor">
-            <a:schemeClr val="tx1"/>
-          </a:fontRef>
-        </p:style>
-      </p:cxnSp>
+          <a:effectLst/>
+        </p:spPr>
+        <p:txBody>
+          <a:bodyPr/>
+          <a:lstStyle/>
+          <a:p>
+            <a:endParaRPr lang="en-US"/>
+          </a:p>
+        </p:txBody>
+      </p:sp>
+      <p:sp>
+        <p:nvSpPr>
+          <p:cNvPr id="45066" name="Text Box 10"/>
+          <p:cNvSpPr txBox="1">
+            <a:spLocks noChangeArrowheads="1"/>
+          </p:cNvSpPr>
+          <p:nvPr/>
+        </p:nvSpPr>
+        <p:spPr bwMode="auto">
+          <a:xfrm>
+            <a:off x="1066800" y="3087688"/>
+            <a:ext cx="4570413" cy="457200"/>
+          </a:xfrm>
+          <a:prstGeom prst="rect">
+            <a:avLst/>
+          </a:prstGeom>
+          <a:noFill/>
+          <a:ln w="9525">
+            <a:noFill/>
+            <a:miter lim="800000"/>
+            <a:headEnd/>
+            <a:tailEnd/>
+          </a:ln>
+          <a:effectLst/>
+        </p:spPr>
+        <p:txBody>
+          <a:bodyPr wrap="none">
+            <a:spAutoFit/>
+          </a:bodyPr>
+          <a:lstStyle/>
+          <a:p>
+            <a:r>
+              <a:rPr lang="en-US"/>
+              <a:t>An Index for an Array of Buckets</a:t>
+            </a:r>
+          </a:p>
+        </p:txBody>
+      </p:sp>
+      <p:sp>
+        <p:nvSpPr>
+          <p:cNvPr id="45067" name="Text Box 11"/>
+          <p:cNvSpPr txBox="1">
+            <a:spLocks noChangeArrowheads="1"/>
+          </p:cNvSpPr>
+          <p:nvPr/>
+        </p:nvSpPr>
+        <p:spPr bwMode="auto">
+          <a:xfrm>
+            <a:off x="990600" y="593725"/>
+            <a:ext cx="7113588" cy="457200"/>
+          </a:xfrm>
+          <a:prstGeom prst="rect">
+            <a:avLst/>
+          </a:prstGeom>
+          <a:noFill/>
+          <a:ln w="9525">
+            <a:noFill/>
+            <a:miter lim="800000"/>
+            <a:headEnd/>
+            <a:tailEnd/>
+          </a:ln>
+          <a:effectLst/>
+        </p:spPr>
+        <p:txBody>
+          <a:bodyPr wrap="none">
+            <a:spAutoFit/>
+          </a:bodyPr>
+          <a:lstStyle/>
+          <a:p>
+            <a:r>
+              <a:rPr lang="en-US"/>
+              <a:t>When you call </a:t>
+            </a:r>
+            <a:r>
+              <a:rPr lang="en-US">
+                <a:solidFill>
+                  <a:srgbClr val="000000"/>
+                </a:solidFill>
+                <a:latin typeface="Courier New" pitchFamily="49" charset="0"/>
+              </a:rPr>
+              <a:t>set.contains(</a:t>
+            </a:r>
+            <a:r>
+              <a:rPr lang="en-US" b="1">
+                <a:solidFill>
+                  <a:srgbClr val="7F0055"/>
+                </a:solidFill>
+                <a:latin typeface="Courier New" pitchFamily="49" charset="0"/>
+              </a:rPr>
+              <a:t>new</a:t>
+            </a:r>
+            <a:r>
+              <a:rPr lang="en-US">
+                <a:solidFill>
+                  <a:srgbClr val="000000"/>
+                </a:solidFill>
+                <a:latin typeface="Courier New" pitchFamily="49" charset="0"/>
+              </a:rPr>
+              <a:t> Circle(5))</a:t>
+            </a:r>
+          </a:p>
+        </p:txBody>
+      </p:sp>
+      <p:sp>
+        <p:nvSpPr>
+          <p:cNvPr id="45068" name="Line 12"/>
+          <p:cNvSpPr>
+            <a:spLocks noChangeShapeType="1"/>
+          </p:cNvSpPr>
+          <p:nvPr/>
+        </p:nvSpPr>
+        <p:spPr bwMode="auto">
+          <a:xfrm>
+            <a:off x="1676400" y="3621088"/>
+            <a:ext cx="0" cy="533400"/>
+          </a:xfrm>
+          <a:prstGeom prst="line">
+            <a:avLst/>
+          </a:prstGeom>
+          <a:noFill/>
+          <a:ln w="9525">
+            <a:solidFill>
+              <a:schemeClr val="tx1"/>
+            </a:solidFill>
+            <a:round/>
+            <a:headEnd/>
+            <a:tailEnd type="triangle" w="med" len="med"/>
+          </a:ln>
+          <a:effectLst/>
+        </p:spPr>
+        <p:txBody>
+          <a:bodyPr/>
+          <a:lstStyle/>
+          <a:p>
+            <a:endParaRPr lang="en-US"/>
+          </a:p>
+        </p:txBody>
+      </p:sp>
+      <p:sp>
+        <p:nvSpPr>
+          <p:cNvPr id="45069" name="Text Box 13"/>
+          <p:cNvSpPr txBox="1">
+            <a:spLocks noChangeArrowheads="1"/>
+          </p:cNvSpPr>
+          <p:nvPr/>
+        </p:nvSpPr>
+        <p:spPr bwMode="auto">
+          <a:xfrm>
+            <a:off x="1127125" y="4041775"/>
+            <a:ext cx="7559675" cy="822325"/>
+          </a:xfrm>
+          <a:prstGeom prst="rect">
+            <a:avLst/>
+          </a:prstGeom>
+          <a:noFill/>
+          <a:ln w="9525">
+            <a:noFill/>
+            <a:miter lim="800000"/>
+            <a:headEnd/>
+            <a:tailEnd/>
+          </a:ln>
+          <a:effectLst/>
+        </p:spPr>
+        <p:txBody>
+          <a:bodyPr wrap="none">
+            <a:spAutoFit/>
+          </a:bodyPr>
+          <a:lstStyle/>
+          <a:p>
+            <a:r>
+              <a:rPr lang="en-US"/>
+              <a:t>Does that bucket contain a Circle equal to </a:t>
+            </a:r>
+          </a:p>
+          <a:p>
+            <a:r>
+              <a:rPr lang="en-US"/>
+              <a:t>new Circle(5) </a:t>
+            </a:r>
+            <a:r>
+              <a:rPr lang="en-US">
+                <a:solidFill>
+                  <a:srgbClr val="FF3300"/>
+                </a:solidFill>
+              </a:rPr>
+              <a:t>(we will find the circle in our one bucket!)</a:t>
+            </a:r>
+          </a:p>
+        </p:txBody>
+      </p:sp>
+      <p:sp>
+        <p:nvSpPr>
+          <p:cNvPr id="45071" name="Text Box 15"/>
+          <p:cNvSpPr txBox="1">
+            <a:spLocks noChangeArrowheads="1"/>
+          </p:cNvSpPr>
+          <p:nvPr/>
+        </p:nvSpPr>
+        <p:spPr bwMode="auto">
+          <a:xfrm>
+            <a:off x="5638800" y="3087688"/>
+            <a:ext cx="3067050" cy="822325"/>
+          </a:xfrm>
+          <a:prstGeom prst="rect">
+            <a:avLst/>
+          </a:prstGeom>
+          <a:noFill/>
+          <a:ln w="9525">
+            <a:noFill/>
+            <a:miter lim="800000"/>
+            <a:headEnd/>
+            <a:tailEnd/>
+          </a:ln>
+          <a:effectLst/>
+        </p:spPr>
+        <p:txBody>
+          <a:bodyPr wrap="none">
+            <a:spAutoFit/>
+          </a:bodyPr>
+          <a:lstStyle/>
+          <a:p>
+            <a:r>
+              <a:rPr lang="en-US">
+                <a:solidFill>
+                  <a:srgbClr val="FF3300"/>
+                </a:solidFill>
+              </a:rPr>
+              <a:t>(will always be same </a:t>
+            </a:r>
+          </a:p>
+          <a:p>
+            <a:r>
+              <a:rPr lang="en-US">
+                <a:solidFill>
+                  <a:srgbClr val="FF3300"/>
+                </a:solidFill>
+              </a:rPr>
+              <a:t>bucket)</a:t>
+            </a:r>
+          </a:p>
+        </p:txBody>
+      </p:sp>
+      <p:sp>
+        <p:nvSpPr>
+          <p:cNvPr id="45072" name="Text Box 16"/>
+          <p:cNvSpPr txBox="1">
+            <a:spLocks noChangeArrowheads="1"/>
+          </p:cNvSpPr>
+          <p:nvPr/>
+        </p:nvSpPr>
+        <p:spPr bwMode="auto">
+          <a:xfrm>
+            <a:off x="533400" y="5181600"/>
+            <a:ext cx="7498912" cy="923330"/>
+          </a:xfrm>
+          <a:prstGeom prst="rect">
+            <a:avLst/>
+          </a:prstGeom>
+          <a:noFill/>
+          <a:ln w="9525">
+            <a:noFill/>
+            <a:miter lim="800000"/>
+            <a:headEnd/>
+            <a:tailEnd/>
+          </a:ln>
+          <a:effectLst/>
+        </p:spPr>
+        <p:txBody>
+          <a:bodyPr wrap="none">
+            <a:spAutoFit/>
+          </a:bodyPr>
+          <a:lstStyle/>
+          <a:p>
+            <a:r>
+              <a:rPr lang="en-US" dirty="0"/>
+              <a:t>This works, but the performance for contains will degrade from constant time </a:t>
+            </a:r>
+          </a:p>
+          <a:p>
+            <a:r>
+              <a:rPr lang="en-US" dirty="0"/>
+              <a:t>(which it should be for a </a:t>
+            </a:r>
+            <a:r>
+              <a:rPr lang="en-US" dirty="0" err="1"/>
+              <a:t>HashSet</a:t>
+            </a:r>
+            <a:r>
+              <a:rPr lang="en-US" dirty="0"/>
+              <a:t>) to linear time (as if this were a List).</a:t>
+            </a:r>
+          </a:p>
+          <a:p>
+            <a:r>
+              <a:rPr lang="en-US" dirty="0"/>
+              <a:t>We’ll have to iterate through every object in our one bucket</a:t>
+            </a:r>
+          </a:p>
+        </p:txBody>
+      </p:sp>
     </p:spTree>
   </p:cSld>
   <p:clrMapOvr>
@@ -16891,6 +16766,381 @@
           <a:chExt cx="0" cy="0"/>
         </a:xfrm>
       </p:grpSpPr>
+      <p:pic>
+        <p:nvPicPr>
+          <p:cNvPr id="4" name="Picture 2"/>
+          <p:cNvPicPr>
+            <a:picLocks noChangeAspect="1" noChangeArrowheads="1"/>
+          </p:cNvPicPr>
+          <p:nvPr/>
+        </p:nvPicPr>
+        <p:blipFill>
+          <a:blip r:embed="rId3" cstate="print"/>
+          <a:srcRect/>
+          <a:stretch>
+            <a:fillRect/>
+          </a:stretch>
+        </p:blipFill>
+        <p:spPr bwMode="auto">
+          <a:xfrm>
+            <a:off x="833438" y="542925"/>
+            <a:ext cx="7477125" cy="5772150"/>
+          </a:xfrm>
+          <a:prstGeom prst="rect">
+            <a:avLst/>
+          </a:prstGeom>
+          <a:noFill/>
+          <a:ln w="9525">
+            <a:noFill/>
+            <a:miter lim="800000"/>
+            <a:headEnd/>
+            <a:tailEnd/>
+          </a:ln>
+        </p:spPr>
+      </p:pic>
+      <p:sp>
+        <p:nvSpPr>
+          <p:cNvPr id="5" name="Rectangle 4"/>
+          <p:cNvSpPr/>
+          <p:nvPr/>
+        </p:nvSpPr>
+        <p:spPr>
+          <a:xfrm>
+            <a:off x="4800600" y="6324600"/>
+            <a:ext cx="3984809" cy="369332"/>
+          </a:xfrm>
+          <a:prstGeom prst="rect">
+            <a:avLst/>
+          </a:prstGeom>
+        </p:spPr>
+        <p:txBody>
+          <a:bodyPr wrap="none">
+            <a:spAutoFit/>
+          </a:bodyPr>
+          <a:lstStyle/>
+          <a:p>
+            <a:r>
+              <a:rPr lang="en-US" dirty="0">
+                <a:hlinkClick r:id="rId4"/>
+              </a:rPr>
+              <a:t>http://en.wikipedia.org/wiki/Hash_table</a:t>
+            </a:r>
+            <a:endParaRPr lang="en-US" dirty="0"/>
+          </a:p>
+        </p:txBody>
+      </p:sp>
+      <p:sp>
+        <p:nvSpPr>
+          <p:cNvPr id="6" name="TextBox 5"/>
+          <p:cNvSpPr txBox="1"/>
+          <p:nvPr/>
+        </p:nvSpPr>
+        <p:spPr>
+          <a:xfrm>
+            <a:off x="-40925" y="0"/>
+            <a:ext cx="9261125" cy="646331"/>
+          </a:xfrm>
+          <a:prstGeom prst="rect">
+            <a:avLst/>
+          </a:prstGeom>
+          <a:noFill/>
+        </p:spPr>
+        <p:txBody>
+          <a:bodyPr wrap="none" rtlCol="0">
+            <a:spAutoFit/>
+          </a:bodyPr>
+          <a:lstStyle/>
+          <a:p>
+            <a:r>
+              <a:rPr lang="en-US" dirty="0"/>
+              <a:t>With a bad (but legal) hash function (like “return 42”) we will achieve the Worst Case complexity </a:t>
+            </a:r>
+          </a:p>
+          <a:p>
+            <a:r>
+              <a:rPr lang="en-US" dirty="0"/>
+              <a:t>(but our program will still be correct)</a:t>
+            </a:r>
+          </a:p>
+        </p:txBody>
+      </p:sp>
+      <p:cxnSp>
+        <p:nvCxnSpPr>
+          <p:cNvPr id="8" name="Straight Arrow Connector 7"/>
+          <p:cNvCxnSpPr/>
+          <p:nvPr/>
+        </p:nvCxnSpPr>
+        <p:spPr>
+          <a:xfrm flipH="1">
+            <a:off x="7620000" y="2971800"/>
+            <a:ext cx="914400" cy="0"/>
+          </a:xfrm>
+          <a:prstGeom prst="straightConnector1">
+            <a:avLst/>
+          </a:prstGeom>
+          <a:ln>
+            <a:tailEnd type="arrow"/>
+          </a:ln>
+        </p:spPr>
+        <p:style>
+          <a:lnRef idx="1">
+            <a:schemeClr val="accent1"/>
+          </a:lnRef>
+          <a:fillRef idx="0">
+            <a:schemeClr val="accent1"/>
+          </a:fillRef>
+          <a:effectRef idx="0">
+            <a:schemeClr val="accent1"/>
+          </a:effectRef>
+          <a:fontRef idx="minor">
+            <a:schemeClr val="tx1"/>
+          </a:fontRef>
+        </p:style>
+      </p:cxnSp>
+      <p:cxnSp>
+        <p:nvCxnSpPr>
+          <p:cNvPr id="9" name="Straight Arrow Connector 8"/>
+          <p:cNvCxnSpPr/>
+          <p:nvPr/>
+        </p:nvCxnSpPr>
+        <p:spPr>
+          <a:xfrm flipH="1">
+            <a:off x="7620000" y="3124200"/>
+            <a:ext cx="914400" cy="0"/>
+          </a:xfrm>
+          <a:prstGeom prst="straightConnector1">
+            <a:avLst/>
+          </a:prstGeom>
+          <a:ln>
+            <a:tailEnd type="arrow"/>
+          </a:ln>
+        </p:spPr>
+        <p:style>
+          <a:lnRef idx="1">
+            <a:schemeClr val="accent1"/>
+          </a:lnRef>
+          <a:fillRef idx="0">
+            <a:schemeClr val="accent1"/>
+          </a:fillRef>
+          <a:effectRef idx="0">
+            <a:schemeClr val="accent1"/>
+          </a:effectRef>
+          <a:fontRef idx="minor">
+            <a:schemeClr val="tx1"/>
+          </a:fontRef>
+        </p:style>
+      </p:cxnSp>
+      <p:cxnSp>
+        <p:nvCxnSpPr>
+          <p:cNvPr id="10" name="Straight Arrow Connector 9"/>
+          <p:cNvCxnSpPr/>
+          <p:nvPr/>
+        </p:nvCxnSpPr>
+        <p:spPr>
+          <a:xfrm flipH="1">
+            <a:off x="7620000" y="3581400"/>
+            <a:ext cx="914400" cy="0"/>
+          </a:xfrm>
+          <a:prstGeom prst="straightConnector1">
+            <a:avLst/>
+          </a:prstGeom>
+          <a:ln>
+            <a:tailEnd type="arrow"/>
+          </a:ln>
+        </p:spPr>
+        <p:style>
+          <a:lnRef idx="1">
+            <a:schemeClr val="accent1"/>
+          </a:lnRef>
+          <a:fillRef idx="0">
+            <a:schemeClr val="accent1"/>
+          </a:fillRef>
+          <a:effectRef idx="0">
+            <a:schemeClr val="accent1"/>
+          </a:effectRef>
+          <a:fontRef idx="minor">
+            <a:schemeClr val="tx1"/>
+          </a:fontRef>
+        </p:style>
+      </p:cxnSp>
+    </p:spTree>
+  </p:cSld>
+  <p:clrMapOvr>
+    <a:masterClrMapping/>
+  </p:clrMapOvr>
+</p:sld>
+</file>
+
+<file path=ppt/slides/slide41.xml><?xml version="1.0" encoding="utf-8"?>
+<p:sld xmlns:a="http://schemas.openxmlformats.org/drawingml/2006/main" xmlns:r="http://schemas.openxmlformats.org/officeDocument/2006/relationships" xmlns:p="http://schemas.openxmlformats.org/presentationml/2006/main">
+  <p:cSld>
+    <p:spTree>
+      <p:nvGrpSpPr>
+        <p:cNvPr id="1" name=""/>
+        <p:cNvGrpSpPr/>
+        <p:nvPr/>
+      </p:nvGrpSpPr>
+      <p:grpSpPr>
+        <a:xfrm>
+          <a:off x="0" y="0"/>
+          <a:ext cx="0" cy="0"/>
+          <a:chOff x="0" y="0"/>
+          <a:chExt cx="0" cy="0"/>
+        </a:xfrm>
+      </p:grpSpPr>
+      <p:sp>
+        <p:nvSpPr>
+          <p:cNvPr id="4" name="TextBox 3"/>
+          <p:cNvSpPr txBox="1"/>
+          <p:nvPr/>
+        </p:nvSpPr>
+        <p:spPr>
+          <a:xfrm>
+            <a:off x="381000" y="76200"/>
+            <a:ext cx="6737742" cy="369332"/>
+          </a:xfrm>
+          <a:prstGeom prst="rect">
+            <a:avLst/>
+          </a:prstGeom>
+          <a:noFill/>
+        </p:spPr>
+        <p:txBody>
+          <a:bodyPr wrap="none" rtlCol="0">
+            <a:spAutoFit/>
+          </a:bodyPr>
+          <a:lstStyle/>
+          <a:p>
+            <a:r>
+              <a:rPr lang="en-US" dirty="0">
+                <a:latin typeface="Arial" panose="020B0604020202020204" pitchFamily="34" charset="0"/>
+                <a:cs typeface="Arial" panose="020B0604020202020204" pitchFamily="34" charset="0"/>
+              </a:rPr>
+              <a:t>An “legal” but slow </a:t>
+            </a:r>
+            <a:r>
+              <a:rPr lang="en-US" dirty="0" err="1">
+                <a:latin typeface="Arial" panose="020B0604020202020204" pitchFamily="34" charset="0"/>
+                <a:cs typeface="Arial" panose="020B0604020202020204" pitchFamily="34" charset="0"/>
+              </a:rPr>
+              <a:t>hashCode</a:t>
+            </a:r>
+            <a:r>
+              <a:rPr lang="en-US" dirty="0">
+                <a:latin typeface="Arial" panose="020B0604020202020204" pitchFamily="34" charset="0"/>
+                <a:cs typeface="Arial" panose="020B0604020202020204" pitchFamily="34" charset="0"/>
+              </a:rPr>
+              <a:t>() severely degrades performance</a:t>
+            </a:r>
+          </a:p>
+        </p:txBody>
+      </p:sp>
+      <p:pic>
+        <p:nvPicPr>
+          <p:cNvPr id="5" name="Picture 4"/>
+          <p:cNvPicPr>
+            <a:picLocks noChangeAspect="1"/>
+          </p:cNvPicPr>
+          <p:nvPr/>
+        </p:nvPicPr>
+        <p:blipFill>
+          <a:blip r:embed="rId2"/>
+          <a:stretch>
+            <a:fillRect/>
+          </a:stretch>
+        </p:blipFill>
+        <p:spPr>
+          <a:xfrm>
+            <a:off x="533400" y="533400"/>
+            <a:ext cx="7729538" cy="5232870"/>
+          </a:xfrm>
+          <a:prstGeom prst="rect">
+            <a:avLst/>
+          </a:prstGeom>
+        </p:spPr>
+      </p:pic>
+      <p:pic>
+        <p:nvPicPr>
+          <p:cNvPr id="6" name="Picture 5"/>
+          <p:cNvPicPr>
+            <a:picLocks noChangeAspect="1"/>
+          </p:cNvPicPr>
+          <p:nvPr/>
+        </p:nvPicPr>
+        <p:blipFill>
+          <a:blip r:embed="rId3"/>
+          <a:stretch>
+            <a:fillRect/>
+          </a:stretch>
+        </p:blipFill>
+        <p:spPr>
+          <a:xfrm>
+            <a:off x="3886200" y="5611250"/>
+            <a:ext cx="3086100" cy="485775"/>
+          </a:xfrm>
+          <a:prstGeom prst="rect">
+            <a:avLst/>
+          </a:prstGeom>
+        </p:spPr>
+      </p:pic>
+      <p:sp>
+        <p:nvSpPr>
+          <p:cNvPr id="7" name="Rectangle 6"/>
+          <p:cNvSpPr/>
+          <p:nvPr/>
+        </p:nvSpPr>
+        <p:spPr>
+          <a:xfrm>
+            <a:off x="533400" y="6504801"/>
+            <a:ext cx="7467600" cy="276999"/>
+          </a:xfrm>
+          <a:prstGeom prst="rect">
+            <a:avLst/>
+          </a:prstGeom>
+        </p:spPr>
+        <p:txBody>
+          <a:bodyPr wrap="square">
+            <a:spAutoFit/>
+          </a:bodyPr>
+          <a:lstStyle/>
+          <a:p>
+            <a:r>
+              <a:rPr lang="en-US" sz="1200" dirty="0"/>
+              <a:t>https://github.com/afodor/metagenomicsTools/blob/master/src/classExamples/HashSetPerformance.java</a:t>
+            </a:r>
+            <a:endParaRPr lang="en-US" sz="1200" dirty="0"/>
+          </a:p>
+        </p:txBody>
+      </p:sp>
+    </p:spTree>
+    <p:extLst>
+      <p:ext uri="{BB962C8B-B14F-4D97-AF65-F5344CB8AC3E}">
+        <p14:creationId xmlns:p14="http://schemas.microsoft.com/office/powerpoint/2010/main" val="1991959244"/>
+      </p:ext>
+    </p:extLst>
+  </p:cSld>
+  <p:clrMapOvr>
+    <a:masterClrMapping/>
+  </p:clrMapOvr>
+</p:sld>
+</file>
+
+<file path=ppt/slides/slide42.xml><?xml version="1.0" encoding="utf-8"?>
+<p:sld xmlns:a="http://schemas.openxmlformats.org/drawingml/2006/main" xmlns:r="http://schemas.openxmlformats.org/officeDocument/2006/relationships" xmlns:p="http://schemas.openxmlformats.org/presentationml/2006/main">
+  <p:cSld>
+    <p:spTree>
+      <p:nvGrpSpPr>
+        <p:cNvPr id="1" name=""/>
+        <p:cNvGrpSpPr/>
+        <p:nvPr/>
+      </p:nvGrpSpPr>
+      <p:grpSpPr>
+        <a:xfrm>
+          <a:off x="0" y="0"/>
+          <a:ext cx="0" cy="0"/>
+          <a:chOff x="0" y="0"/>
+          <a:chExt cx="0" cy="0"/>
+        </a:xfrm>
+      </p:grpSpPr>
       <p:sp>
         <p:nvSpPr>
           <p:cNvPr id="50180" name="Text Box 4"/>
@@ -16902,7 +17152,7 @@
         <p:spPr bwMode="auto">
           <a:xfrm>
             <a:off x="669925" y="192088"/>
-            <a:ext cx="6958828" cy="369332"/>
+            <a:ext cx="7570855" cy="646331"/>
           </a:xfrm>
           <a:prstGeom prst="rect">
             <a:avLst/>
@@ -16924,7 +17174,21 @@
           <a:p>
             <a:r>
               <a:rPr lang="en-US" dirty="0"/>
-              <a:t>We can look in the Double class in Java for the </a:t>
+              <a:t>For our Circle, we can make a better </a:t>
+            </a:r>
+            <a:r>
+              <a:rPr lang="en-US" dirty="0" err="1"/>
+              <a:t>hashCode</a:t>
+            </a:r>
+            <a:r>
+              <a:rPr lang="en-US" dirty="0"/>
+              <a:t>() by looking in the Double class </a:t>
+            </a:r>
+          </a:p>
+          <a:p>
+            <a:r>
+              <a:rPr lang="en-US" dirty="0"/>
+              <a:t>in Java for the </a:t>
             </a:r>
             <a:r>
               <a:rPr lang="en-US" dirty="0" err="1"/>
@@ -16953,7 +17217,7 @@
           <a:graphicData uri="http://schemas.openxmlformats.org/presentationml/2006/ole">
             <mc:AlternateContent xmlns:mc="http://schemas.openxmlformats.org/markup-compatibility/2006">
               <mc:Choice xmlns:v="urn:schemas-microsoft-com:vml" Requires="v">
-                <p:oleObj spid="_x0000_s7171" name="Bitmap Image" r:id="rId4" imgW="5601482" imgH="3677163" progId="PBrush">
+                <p:oleObj spid="_x0000_s7181" name="Bitmap Image" r:id="rId4" imgW="5601482" imgH="3677163" progId="PBrush">
                   <p:embed/>
                 </p:oleObj>
               </mc:Choice>
@@ -17076,7 +17340,7 @@
 </p:sld>
 </file>
 
-<file path=ppt/slides/slide41.xml><?xml version="1.0" encoding="utf-8"?>
+<file path=ppt/slides/slide43.xml><?xml version="1.0" encoding="utf-8"?>
 <p:sld xmlns:a="http://schemas.openxmlformats.org/drawingml/2006/main" xmlns:r="http://schemas.openxmlformats.org/officeDocument/2006/relationships" xmlns:p="http://schemas.openxmlformats.org/presentationml/2006/main">
   <p:cSld>
     <p:spTree>
@@ -17109,7 +17373,7 @@
           <a:graphicData uri="http://schemas.openxmlformats.org/presentationml/2006/ole">
             <mc:AlternateContent xmlns:mc="http://schemas.openxmlformats.org/markup-compatibility/2006">
               <mc:Choice xmlns:v="urn:schemas-microsoft-com:vml" Requires="v">
-                <p:oleObj spid="_x0000_s8195" name="Bitmap Image" r:id="rId4" imgW="5315692" imgH="5934903" progId="PBrush">
+                <p:oleObj spid="_x0000_s8205" name="Bitmap Image" r:id="rId4" imgW="5315692" imgH="5934903" progId="PBrush">
                   <p:embed/>
                 </p:oleObj>
               </mc:Choice>
@@ -17231,8 +17495,8 @@
         </p:nvSpPr>
         <p:spPr bwMode="auto">
           <a:xfrm>
-            <a:off x="0" y="6059269"/>
-            <a:ext cx="9260420" cy="646331"/>
+            <a:off x="504219" y="5943600"/>
+            <a:ext cx="6963381" cy="923330"/>
           </a:xfrm>
           <a:prstGeom prst="rect">
             <a:avLst/>
@@ -17254,7 +17518,13 @@
           <a:p>
             <a:r>
               <a:rPr lang="en-US" dirty="0"/>
-              <a:t>Bloch (Item #9)  notes that Java’s hashes are not very good (meaning not very evenly distributed).</a:t>
+              <a:t>Bloch (Item #9)  notes that Java’s hashes are not very good </a:t>
+            </a:r>
+          </a:p>
+          <a:p>
+            <a:r>
+              <a:rPr lang="en-US" dirty="0"/>
+              <a:t>(meaning the 1s are not very evenly distributed throughout the integer).</a:t>
             </a:r>
           </a:p>
           <a:p>
@@ -17273,7 +17543,7 @@
 </p:sld>
 </file>
 
-<file path=ppt/slides/slide42.xml><?xml version="1.0" encoding="utf-8"?>
+<file path=ppt/slides/slide44.xml><?xml version="1.0" encoding="utf-8"?>
 <p:sld xmlns:a="http://schemas.openxmlformats.org/drawingml/2006/main" xmlns:r="http://schemas.openxmlformats.org/officeDocument/2006/relationships" xmlns:p="http://schemas.openxmlformats.org/presentationml/2006/main">
   <p:cSld>
     <p:spTree>
@@ -17392,7 +17662,7 @@
         </p:nvSpPr>
         <p:spPr bwMode="auto">
           <a:xfrm>
-            <a:off x="898525" y="2678668"/>
+            <a:off x="898525" y="6107668"/>
             <a:ext cx="6133602" cy="369332"/>
           </a:xfrm>
           <a:prstGeom prst="rect">
@@ -17420,6 +17690,96 @@
           </a:p>
         </p:txBody>
       </p:sp>
+      <p:pic>
+        <p:nvPicPr>
+          <p:cNvPr id="4" name="Picture 3"/>
+          <p:cNvPicPr>
+            <a:picLocks noChangeAspect="1"/>
+          </p:cNvPicPr>
+          <p:nvPr/>
+        </p:nvPicPr>
+        <p:blipFill>
+          <a:blip r:embed="rId3"/>
+          <a:stretch>
+            <a:fillRect/>
+          </a:stretch>
+        </p:blipFill>
+        <p:spPr>
+          <a:xfrm>
+            <a:off x="2122238" y="2438400"/>
+            <a:ext cx="3686175" cy="933450"/>
+          </a:xfrm>
+          <a:prstGeom prst="rect">
+            <a:avLst/>
+          </a:prstGeom>
+        </p:spPr>
+      </p:pic>
+      <p:sp>
+        <p:nvSpPr>
+          <p:cNvPr id="2" name="Rectangle 1"/>
+          <p:cNvSpPr/>
+          <p:nvPr/>
+        </p:nvSpPr>
+        <p:spPr>
+          <a:xfrm>
+            <a:off x="771524" y="3527345"/>
+            <a:ext cx="6772275" cy="646331"/>
+          </a:xfrm>
+          <a:prstGeom prst="rect">
+            <a:avLst/>
+          </a:prstGeom>
+        </p:spPr>
+        <p:txBody>
+          <a:bodyPr wrap="square">
+            <a:spAutoFit/>
+          </a:bodyPr>
+          <a:lstStyle/>
+          <a:p>
+            <a:r>
+              <a:rPr lang="en-US" dirty="0"/>
+              <a:t>If the state of your object depends on multiple fields you can add</a:t>
+            </a:r>
+          </a:p>
+          <a:p>
+            <a:r>
+              <a:rPr lang="en-US" dirty="0"/>
+              <a:t>the </a:t>
+            </a:r>
+            <a:r>
+              <a:rPr lang="en-US" dirty="0" err="1"/>
+              <a:t>hashCode</a:t>
+            </a:r>
+            <a:r>
+              <a:rPr lang="en-US" dirty="0"/>
+              <a:t> of each field</a:t>
+            </a:r>
+          </a:p>
+        </p:txBody>
+      </p:sp>
+      <p:pic>
+        <p:nvPicPr>
+          <p:cNvPr id="3" name="Picture 2"/>
+          <p:cNvPicPr>
+            <a:picLocks noChangeAspect="1"/>
+          </p:cNvPicPr>
+          <p:nvPr/>
+        </p:nvPicPr>
+        <p:blipFill>
+          <a:blip r:embed="rId4"/>
+          <a:stretch>
+            <a:fillRect/>
+          </a:stretch>
+        </p:blipFill>
+        <p:spPr>
+          <a:xfrm>
+            <a:off x="1093537" y="4319646"/>
+            <a:ext cx="5743575" cy="1409700"/>
+          </a:xfrm>
+          <a:prstGeom prst="rect">
+            <a:avLst/>
+          </a:prstGeom>
+        </p:spPr>
+      </p:pic>
     </p:spTree>
   </p:cSld>
   <p:clrMapOvr>
@@ -17428,7 +17788,7 @@
 </p:sld>
 </file>
 
-<file path=ppt/slides/slide43.xml><?xml version="1.0" encoding="utf-8"?>
+<file path=ppt/slides/slide45.xml><?xml version="1.0" encoding="utf-8"?>
 <p:sld xmlns:a="http://schemas.openxmlformats.org/drawingml/2006/main" xmlns:r="http://schemas.openxmlformats.org/officeDocument/2006/relationships" xmlns:p="http://schemas.openxmlformats.org/presentationml/2006/main">
   <p:cSld>
     <p:spTree>
@@ -17505,7 +17865,7 @@
           <a:graphicData uri="http://schemas.openxmlformats.org/presentationml/2006/ole">
             <mc:AlternateContent xmlns:mc="http://schemas.openxmlformats.org/markup-compatibility/2006">
               <mc:Choice xmlns:v="urn:schemas-microsoft-com:vml" Requires="v">
-                <p:oleObj spid="_x0000_s9220" name="Bitmap Image" r:id="rId4" imgW="6935168" imgH="2619048" progId="PBrush">
+                <p:oleObj spid="_x0000_s9240" name="Bitmap Image" r:id="rId4" imgW="6935168" imgH="2619048" progId="PBrush">
                   <p:embed/>
                 </p:oleObj>
               </mc:Choice>
@@ -17598,7 +17958,7 @@
           <a:graphicData uri="http://schemas.openxmlformats.org/presentationml/2006/ole">
             <mc:AlternateContent xmlns:mc="http://schemas.openxmlformats.org/markup-compatibility/2006">
               <mc:Choice xmlns:v="urn:schemas-microsoft-com:vml" Requires="v">
-                <p:oleObj spid="_x0000_s9221" name="Bitmap Image" r:id="rId6" imgW="838095" imgH="905001" progId="PBrush">
+                <p:oleObj spid="_x0000_s9241" name="Bitmap Image" r:id="rId6" imgW="838095" imgH="905001" progId="PBrush">
                   <p:embed/>
                 </p:oleObj>
               </mc:Choice>
@@ -17683,7 +18043,7 @@
 </p:sld>
 </file>
 
-<file path=ppt/slides/slide44.xml><?xml version="1.0" encoding="utf-8"?>
+<file path=ppt/slides/slide46.xml><?xml version="1.0" encoding="utf-8"?>
 <p:sld xmlns:a="http://schemas.openxmlformats.org/drawingml/2006/main" xmlns:r="http://schemas.openxmlformats.org/officeDocument/2006/relationships" xmlns:p="http://schemas.openxmlformats.org/presentationml/2006/main">
   <p:cSld>
     <p:spTree>
@@ -17716,7 +18076,7 @@
           <a:graphicData uri="http://schemas.openxmlformats.org/presentationml/2006/ole">
             <mc:AlternateContent xmlns:mc="http://schemas.openxmlformats.org/markup-compatibility/2006">
               <mc:Choice xmlns:v="urn:schemas-microsoft-com:vml" Requires="v">
-                <p:oleObj spid="_x0000_s10243" name="Bitmap Image" r:id="rId4" imgW="5877745" imgH="4009524" progId="PBrush">
+                <p:oleObj spid="_x0000_s10253" name="Bitmap Image" r:id="rId4" imgW="5877745" imgH="4009524" progId="PBrush">
                   <p:embed/>
                 </p:oleObj>
               </mc:Choice>
@@ -17889,7 +18249,7 @@
 </p:sld>
 </file>
 
-<file path=ppt/slides/slide45.xml><?xml version="1.0" encoding="utf-8"?>
+<file path=ppt/slides/slide47.xml><?xml version="1.0" encoding="utf-8"?>
 <p:sld xmlns:a="http://schemas.openxmlformats.org/drawingml/2006/main" xmlns:r="http://schemas.openxmlformats.org/officeDocument/2006/relationships" xmlns:p="http://schemas.openxmlformats.org/presentationml/2006/main">
   <p:cSld>
     <p:spTree>
@@ -18044,7 +18404,7 @@
 </p:sld>
 </file>
 
-<file path=ppt/slides/slide46.xml><?xml version="1.0" encoding="utf-8"?>
+<file path=ppt/slides/slide48.xml><?xml version="1.0" encoding="utf-8"?>
 <p:sld xmlns:a="http://schemas.openxmlformats.org/drawingml/2006/main" xmlns:r="http://schemas.openxmlformats.org/officeDocument/2006/relationships" xmlns:p="http://schemas.openxmlformats.org/presentationml/2006/main">
   <p:cSld>
     <p:spTree>
@@ -18077,7 +18437,7 @@
           <a:graphicData uri="http://schemas.openxmlformats.org/presentationml/2006/ole">
             <mc:AlternateContent xmlns:mc="http://schemas.openxmlformats.org/markup-compatibility/2006">
               <mc:Choice xmlns:v="urn:schemas-microsoft-com:vml" Requires="v">
-                <p:oleObj spid="_x0000_s11267" name="Bitmap Image" r:id="rId4" imgW="5533333" imgH="2991268" progId="PBrush">
+                <p:oleObj spid="_x0000_s11277" name="Bitmap Image" r:id="rId4" imgW="5533333" imgH="2991268" progId="PBrush">
                   <p:embed/>
                 </p:oleObj>
               </mc:Choice>
@@ -18200,7 +18560,7 @@
 </p:sld>
 </file>
 
-<file path=ppt/slides/slide47.xml><?xml version="1.0" encoding="utf-8"?>
+<file path=ppt/slides/slide49.xml><?xml version="1.0" encoding="utf-8"?>
 <p:sld xmlns:a="http://schemas.openxmlformats.org/drawingml/2006/main" xmlns:r="http://schemas.openxmlformats.org/officeDocument/2006/relationships" xmlns:p="http://schemas.openxmlformats.org/presentationml/2006/main">
   <p:cSld>
     <p:spTree>
@@ -18233,7 +18593,7 @@
           <a:graphicData uri="http://schemas.openxmlformats.org/presentationml/2006/ole">
             <mc:AlternateContent xmlns:mc="http://schemas.openxmlformats.org/markup-compatibility/2006">
               <mc:Choice xmlns:v="urn:schemas-microsoft-com:vml" Requires="v">
-                <p:oleObj spid="_x0000_s12291" name="Bitmap Image" r:id="rId4" imgW="8961905" imgH="6552381" progId="PBrush">
+                <p:oleObj spid="_x0000_s12301" name="Bitmap Image" r:id="rId4" imgW="8961905" imgH="6552381" progId="PBrush">
                   <p:embed/>
                 </p:oleObj>
               </mc:Choice>
@@ -18318,7 +18678,7 @@
 </p:sld>
 </file>
 
-<file path=ppt/slides/slide48.xml><?xml version="1.0" encoding="utf-8"?>
+<file path=ppt/slides/slide5.xml><?xml version="1.0" encoding="utf-8"?>
 <p:sld xmlns:a="http://schemas.openxmlformats.org/drawingml/2006/main" xmlns:r="http://schemas.openxmlformats.org/officeDocument/2006/relationships" xmlns:p="http://schemas.openxmlformats.org/presentationml/2006/main">
   <p:cSld>
     <p:spTree>
@@ -18335,6 +18695,101 @@
           <a:chExt cx="0" cy="0"/>
         </a:xfrm>
       </p:grpSpPr>
+      <p:pic>
+        <p:nvPicPr>
+          <p:cNvPr id="3074" name="Picture 2"/>
+          <p:cNvPicPr>
+            <a:picLocks noChangeAspect="1" noChangeArrowheads="1"/>
+          </p:cNvPicPr>
+          <p:nvPr/>
+        </p:nvPicPr>
+        <p:blipFill>
+          <a:blip r:embed="rId3" cstate="print"/>
+          <a:srcRect/>
+          <a:stretch>
+            <a:fillRect/>
+          </a:stretch>
+        </p:blipFill>
+        <p:spPr bwMode="auto">
+          <a:xfrm>
+            <a:off x="304800" y="1752600"/>
+            <a:ext cx="8685682" cy="3429000"/>
+          </a:xfrm>
+          <a:prstGeom prst="rect">
+            <a:avLst/>
+          </a:prstGeom>
+          <a:noFill/>
+          <a:ln w="9525">
+            <a:noFill/>
+            <a:miter lim="800000"/>
+            <a:headEnd/>
+            <a:tailEnd/>
+          </a:ln>
+        </p:spPr>
+      </p:pic>
+      <p:sp>
+        <p:nvSpPr>
+          <p:cNvPr id="5" name="TextBox 4"/>
+          <p:cNvSpPr txBox="1"/>
+          <p:nvPr/>
+        </p:nvSpPr>
+        <p:spPr>
+          <a:xfrm>
+            <a:off x="457200" y="381000"/>
+            <a:ext cx="6188233" cy="923330"/>
+          </a:xfrm>
+          <a:prstGeom prst="rect">
+            <a:avLst/>
+          </a:prstGeom>
+          <a:noFill/>
+        </p:spPr>
+        <p:txBody>
+          <a:bodyPr wrap="none" rtlCol="0">
+            <a:spAutoFit/>
+          </a:bodyPr>
+          <a:lstStyle/>
+          <a:p>
+            <a:r>
+              <a:rPr lang="en-US" dirty="0"/>
+              <a:t>A set holds no duplicate elements (not necessarily in any order).</a:t>
+            </a:r>
+          </a:p>
+          <a:p>
+            <a:endParaRPr lang="en-US" dirty="0"/>
+          </a:p>
+          <a:p>
+            <a:r>
+              <a:rPr lang="en-US" dirty="0"/>
+              <a:t>A list can have duplicate elements (and is always ordered) </a:t>
+            </a:r>
+          </a:p>
+        </p:txBody>
+      </p:sp>
+    </p:spTree>
+  </p:cSld>
+  <p:clrMapOvr>
+    <a:masterClrMapping/>
+  </p:clrMapOvr>
+</p:sld>
+</file>
+
+<file path=ppt/slides/slide50.xml><?xml version="1.0" encoding="utf-8"?>
+<p:sld xmlns:a="http://schemas.openxmlformats.org/drawingml/2006/main" xmlns:r="http://schemas.openxmlformats.org/officeDocument/2006/relationships" xmlns:p="http://schemas.openxmlformats.org/presentationml/2006/main">
+  <p:cSld>
+    <p:spTree>
+      <p:nvGrpSpPr>
+        <p:cNvPr id="1" name=""/>
+        <p:cNvGrpSpPr/>
+        <p:nvPr/>
+      </p:nvGrpSpPr>
+      <p:grpSpPr>
+        <a:xfrm>
+          <a:off x="0" y="0"/>
+          <a:ext cx="0" cy="0"/>
+          <a:chOff x="0" y="0"/>
+          <a:chExt cx="0" cy="0"/>
+        </a:xfrm>
+      </p:grpSpPr>
       <p:sp>
         <p:nvSpPr>
           <p:cNvPr id="64514" name="Text Box 2"/>
@@ -18401,7 +18856,7 @@
           <a:graphicData uri="http://schemas.openxmlformats.org/presentationml/2006/ole">
             <mc:AlternateContent xmlns:mc="http://schemas.openxmlformats.org/markup-compatibility/2006">
               <mc:Choice xmlns:v="urn:schemas-microsoft-com:vml" Requires="v">
-                <p:oleObj spid="_x0000_s13316" name="Bitmap Image" r:id="rId4" imgW="4971429" imgH="2200582" progId="PBrush">
+                <p:oleObj spid="_x0000_s13336" name="Bitmap Image" r:id="rId4" imgW="4971429" imgH="2200582" progId="PBrush">
                   <p:embed/>
                 </p:oleObj>
               </mc:Choice>
@@ -18494,7 +18949,7 @@
           <a:graphicData uri="http://schemas.openxmlformats.org/presentationml/2006/ole">
             <mc:AlternateContent xmlns:mc="http://schemas.openxmlformats.org/markup-compatibility/2006">
               <mc:Choice xmlns:v="urn:schemas-microsoft-com:vml" Requires="v">
-                <p:oleObj spid="_x0000_s13317" name="Bitmap Image" r:id="rId6" imgW="5504762" imgH="714286" progId="PBrush">
+                <p:oleObj spid="_x0000_s13337" name="Bitmap Image" r:id="rId6" imgW="5504762" imgH="714286" progId="PBrush">
                   <p:embed/>
                 </p:oleObj>
               </mc:Choice>
@@ -18579,7 +19034,7 @@
 </p:sld>
 </file>
 
-<file path=ppt/slides/slide49.xml><?xml version="1.0" encoding="utf-8"?>
+<file path=ppt/slides/slide51.xml><?xml version="1.0" encoding="utf-8"?>
 <p:sld xmlns:a="http://schemas.openxmlformats.org/drawingml/2006/main" xmlns:r="http://schemas.openxmlformats.org/officeDocument/2006/relationships" xmlns:p="http://schemas.openxmlformats.org/presentationml/2006/main">
   <p:cSld>
     <p:spTree>
@@ -18612,7 +19067,7 @@
           <a:graphicData uri="http://schemas.openxmlformats.org/presentationml/2006/ole">
             <mc:AlternateContent xmlns:mc="http://schemas.openxmlformats.org/markup-compatibility/2006">
               <mc:Choice xmlns:v="urn:schemas-microsoft-com:vml" Requires="v">
-                <p:oleObj spid="_x0000_s14339" name="Bitmap Image" r:id="rId4" imgW="5001323" imgH="2752381" progId="PBrush">
+                <p:oleObj spid="_x0000_s14349" name="Bitmap Image" r:id="rId4" imgW="5001323" imgH="2752381" progId="PBrush">
                   <p:embed/>
                 </p:oleObj>
               </mc:Choice>
@@ -18791,964 +19246,6 @@
 </p:sld>
 </file>
 
-<file path=ppt/slides/slide5.xml><?xml version="1.0" encoding="utf-8"?>
-<p:sld xmlns:a="http://schemas.openxmlformats.org/drawingml/2006/main" xmlns:r="http://schemas.openxmlformats.org/officeDocument/2006/relationships" xmlns:p="http://schemas.openxmlformats.org/presentationml/2006/main">
-  <p:cSld>
-    <p:spTree>
-      <p:nvGrpSpPr>
-        <p:cNvPr id="1" name=""/>
-        <p:cNvGrpSpPr/>
-        <p:nvPr/>
-      </p:nvGrpSpPr>
-      <p:grpSpPr>
-        <a:xfrm>
-          <a:off x="0" y="0"/>
-          <a:ext cx="0" cy="0"/>
-          <a:chOff x="0" y="0"/>
-          <a:chExt cx="0" cy="0"/>
-        </a:xfrm>
-      </p:grpSpPr>
-      <p:pic>
-        <p:nvPicPr>
-          <p:cNvPr id="3074" name="Picture 2"/>
-          <p:cNvPicPr>
-            <a:picLocks noChangeAspect="1" noChangeArrowheads="1"/>
-          </p:cNvPicPr>
-          <p:nvPr/>
-        </p:nvPicPr>
-        <p:blipFill>
-          <a:blip r:embed="rId3" cstate="print"/>
-          <a:srcRect/>
-          <a:stretch>
-            <a:fillRect/>
-          </a:stretch>
-        </p:blipFill>
-        <p:spPr bwMode="auto">
-          <a:xfrm>
-            <a:off x="304800" y="1752600"/>
-            <a:ext cx="8685682" cy="3429000"/>
-          </a:xfrm>
-          <a:prstGeom prst="rect">
-            <a:avLst/>
-          </a:prstGeom>
-          <a:noFill/>
-          <a:ln w="9525">
-            <a:noFill/>
-            <a:miter lim="800000"/>
-            <a:headEnd/>
-            <a:tailEnd/>
-          </a:ln>
-        </p:spPr>
-      </p:pic>
-      <p:sp>
-        <p:nvSpPr>
-          <p:cNvPr id="5" name="TextBox 4"/>
-          <p:cNvSpPr txBox="1"/>
-          <p:nvPr/>
-        </p:nvSpPr>
-        <p:spPr>
-          <a:xfrm>
-            <a:off x="457200" y="381000"/>
-            <a:ext cx="6188233" cy="923330"/>
-          </a:xfrm>
-          <a:prstGeom prst="rect">
-            <a:avLst/>
-          </a:prstGeom>
-          <a:noFill/>
-        </p:spPr>
-        <p:txBody>
-          <a:bodyPr wrap="none" rtlCol="0">
-            <a:spAutoFit/>
-          </a:bodyPr>
-          <a:lstStyle/>
-          <a:p>
-            <a:r>
-              <a:rPr lang="en-US" dirty="0"/>
-              <a:t>A set holds no duplicate elements (not necessarily in any order).</a:t>
-            </a:r>
-          </a:p>
-          <a:p>
-            <a:endParaRPr lang="en-US" dirty="0"/>
-          </a:p>
-          <a:p>
-            <a:r>
-              <a:rPr lang="en-US" dirty="0"/>
-              <a:t>A list can have duplicate elements (and is always ordered) </a:t>
-            </a:r>
-          </a:p>
-        </p:txBody>
-      </p:sp>
-    </p:spTree>
-  </p:cSld>
-  <p:clrMapOvr>
-    <a:masterClrMapping/>
-  </p:clrMapOvr>
-</p:sld>
-</file>
-
-<file path=ppt/slides/slide50.xml><?xml version="1.0" encoding="utf-8"?>
-<p:sld xmlns:a="http://schemas.openxmlformats.org/drawingml/2006/main" xmlns:r="http://schemas.openxmlformats.org/officeDocument/2006/relationships" xmlns:p="http://schemas.openxmlformats.org/presentationml/2006/main">
-  <p:cSld>
-    <p:spTree>
-      <p:nvGrpSpPr>
-        <p:cNvPr id="1" name=""/>
-        <p:cNvGrpSpPr/>
-        <p:nvPr/>
-      </p:nvGrpSpPr>
-      <p:grpSpPr>
-        <a:xfrm>
-          <a:off x="0" y="0"/>
-          <a:ext cx="0" cy="0"/>
-          <a:chOff x="0" y="0"/>
-          <a:chExt cx="0" cy="0"/>
-        </a:xfrm>
-      </p:grpSpPr>
-      <p:sp>
-        <p:nvSpPr>
-          <p:cNvPr id="2" name="TextBox 1"/>
-          <p:cNvSpPr txBox="1"/>
-          <p:nvPr/>
-        </p:nvSpPr>
-        <p:spPr>
-          <a:xfrm>
-            <a:off x="381000" y="304800"/>
-            <a:ext cx="5386154" cy="1477328"/>
-          </a:xfrm>
-          <a:prstGeom prst="rect">
-            <a:avLst/>
-          </a:prstGeom>
-          <a:noFill/>
-        </p:spPr>
-        <p:txBody>
-          <a:bodyPr wrap="none" rtlCol="0">
-            <a:spAutoFit/>
-          </a:bodyPr>
-          <a:lstStyle/>
-          <a:p>
-            <a:r>
-              <a:rPr lang="en-US" dirty="0" err="1"/>
-              <a:t>AbstractSequence</a:t>
-            </a:r>
-            <a:r>
-              <a:rPr lang="en-US" dirty="0"/>
-              <a:t>, </a:t>
-            </a:r>
-            <a:r>
-              <a:rPr lang="en-US" dirty="0" err="1"/>
-              <a:t>ProteinSequence</a:t>
-            </a:r>
-            <a:r>
-              <a:rPr lang="en-US" dirty="0"/>
-              <a:t> and </a:t>
-            </a:r>
-            <a:r>
-              <a:rPr lang="en-US" dirty="0" err="1"/>
-              <a:t>DNASequence</a:t>
-            </a:r>
-            <a:endParaRPr lang="en-US" dirty="0"/>
-          </a:p>
-          <a:p>
-            <a:r>
-              <a:rPr lang="en-US" dirty="0" err="1"/>
-              <a:t>HashSet</a:t>
-            </a:r>
-            <a:endParaRPr lang="en-US" dirty="0"/>
-          </a:p>
-          <a:p>
-            <a:r>
-              <a:rPr lang="en-US" dirty="0"/>
-              <a:t>equals() and </a:t>
-            </a:r>
-            <a:r>
-              <a:rPr lang="en-US" dirty="0" err="1"/>
-              <a:t>hashCode</a:t>
-            </a:r>
-            <a:r>
-              <a:rPr lang="en-US" dirty="0"/>
-              <a:t>()</a:t>
-            </a:r>
-          </a:p>
-          <a:p>
-            <a:r>
-              <a:rPr lang="en-US" dirty="0" err="1"/>
-              <a:t>Iterators</a:t>
-            </a:r>
-            <a:endParaRPr lang="en-US" dirty="0"/>
-          </a:p>
-          <a:p>
-            <a:r>
-              <a:rPr lang="en-US" dirty="0" err="1"/>
-              <a:t>HashSet</a:t>
-            </a:r>
-            <a:r>
-              <a:rPr lang="en-US" dirty="0"/>
-              <a:t>, </a:t>
-            </a:r>
-            <a:r>
-              <a:rPr lang="en-US" dirty="0" err="1"/>
-              <a:t>LinkedHashSet</a:t>
-            </a:r>
-            <a:r>
-              <a:rPr lang="en-US" dirty="0"/>
-              <a:t>, </a:t>
-            </a:r>
-            <a:r>
-              <a:rPr lang="en-US" dirty="0" err="1"/>
-              <a:t>TreeSet</a:t>
-            </a:r>
-            <a:endParaRPr lang="en-US" dirty="0"/>
-          </a:p>
-        </p:txBody>
-      </p:sp>
-      <p:cxnSp>
-        <p:nvCxnSpPr>
-          <p:cNvPr id="3" name="Straight Arrow Connector 2"/>
-          <p:cNvCxnSpPr/>
-          <p:nvPr/>
-        </p:nvCxnSpPr>
-        <p:spPr>
-          <a:xfrm flipH="1">
-            <a:off x="3505200" y="1600200"/>
-            <a:ext cx="762000" cy="0"/>
-          </a:xfrm>
-          <a:prstGeom prst="straightConnector1">
-            <a:avLst/>
-          </a:prstGeom>
-          <a:ln>
-            <a:tailEnd type="arrow"/>
-          </a:ln>
-        </p:spPr>
-        <p:style>
-          <a:lnRef idx="1">
-            <a:schemeClr val="accent1"/>
-          </a:lnRef>
-          <a:fillRef idx="0">
-            <a:schemeClr val="accent1"/>
-          </a:fillRef>
-          <a:effectRef idx="0">
-            <a:schemeClr val="accent1"/>
-          </a:effectRef>
-          <a:fontRef idx="minor">
-            <a:schemeClr val="tx1"/>
-          </a:fontRef>
-        </p:style>
-      </p:cxnSp>
-    </p:spTree>
-  </p:cSld>
-  <p:clrMapOvr>
-    <a:masterClrMapping/>
-  </p:clrMapOvr>
-</p:sld>
-</file>
-
-<file path=ppt/slides/slide51.xml><?xml version="1.0" encoding="utf-8"?>
-<p:sld xmlns:a="http://schemas.openxmlformats.org/drawingml/2006/main" xmlns:r="http://schemas.openxmlformats.org/officeDocument/2006/relationships" xmlns:p="http://schemas.openxmlformats.org/presentationml/2006/main">
-  <p:cSld>
-    <p:spTree>
-      <p:nvGrpSpPr>
-        <p:cNvPr id="1" name=""/>
-        <p:cNvGrpSpPr/>
-        <p:nvPr/>
-      </p:nvGrpSpPr>
-      <p:grpSpPr>
-        <a:xfrm>
-          <a:off x="0" y="0"/>
-          <a:ext cx="0" cy="0"/>
-          <a:chOff x="0" y="0"/>
-          <a:chExt cx="0" cy="0"/>
-        </a:xfrm>
-      </p:grpSpPr>
-      <p:sp>
-        <p:nvSpPr>
-          <p:cNvPr id="6148" name="Text Box 4"/>
-          <p:cNvSpPr txBox="1">
-            <a:spLocks noChangeArrowheads="1"/>
-          </p:cNvSpPr>
-          <p:nvPr/>
-        </p:nvSpPr>
-        <p:spPr bwMode="auto">
-          <a:xfrm>
-            <a:off x="3430588" y="531813"/>
-            <a:ext cx="1065212" cy="457200"/>
-          </a:xfrm>
-          <a:prstGeom prst="rect">
-            <a:avLst/>
-          </a:prstGeom>
-          <a:noFill/>
-          <a:ln w="9525">
-            <a:noFill/>
-            <a:miter lim="800000"/>
-            <a:headEnd/>
-            <a:tailEnd/>
-          </a:ln>
-        </p:spPr>
-        <p:txBody>
-          <a:bodyPr wrap="none">
-            <a:spAutoFit/>
-          </a:bodyPr>
-          <a:lstStyle/>
-          <a:p>
-            <a:r>
-              <a:rPr lang="en-US"/>
-              <a:t>Object</a:t>
-            </a:r>
-          </a:p>
-        </p:txBody>
-      </p:sp>
-      <p:sp>
-        <p:nvSpPr>
-          <p:cNvPr id="6149" name="Line 5"/>
-          <p:cNvSpPr>
-            <a:spLocks noChangeShapeType="1"/>
-          </p:cNvSpPr>
-          <p:nvPr/>
-        </p:nvSpPr>
-        <p:spPr bwMode="auto">
-          <a:xfrm flipV="1">
-            <a:off x="3886200" y="1065213"/>
-            <a:ext cx="0" cy="533400"/>
-          </a:xfrm>
-          <a:prstGeom prst="line">
-            <a:avLst/>
-          </a:prstGeom>
-          <a:noFill/>
-          <a:ln w="9525">
-            <a:solidFill>
-              <a:schemeClr val="tx1"/>
-            </a:solidFill>
-            <a:round/>
-            <a:headEnd/>
-            <a:tailEnd type="triangle" w="med" len="med"/>
-          </a:ln>
-        </p:spPr>
-        <p:txBody>
-          <a:bodyPr wrap="none" anchor="ctr"/>
-          <a:lstStyle/>
-          <a:p>
-            <a:endParaRPr lang="en-US"/>
-          </a:p>
-        </p:txBody>
-      </p:sp>
-      <p:sp>
-        <p:nvSpPr>
-          <p:cNvPr id="6150" name="Text Box 6"/>
-          <p:cNvSpPr txBox="1">
-            <a:spLocks noChangeArrowheads="1"/>
-          </p:cNvSpPr>
-          <p:nvPr/>
-        </p:nvSpPr>
-        <p:spPr bwMode="auto">
-          <a:xfrm>
-            <a:off x="3201988" y="1598613"/>
-            <a:ext cx="1522412" cy="457200"/>
-          </a:xfrm>
-          <a:prstGeom prst="rect">
-            <a:avLst/>
-          </a:prstGeom>
-          <a:noFill/>
-          <a:ln w="9525">
-            <a:noFill/>
-            <a:miter lim="800000"/>
-            <a:headEnd/>
-            <a:tailEnd/>
-          </a:ln>
-        </p:spPr>
-        <p:txBody>
-          <a:bodyPr wrap="none">
-            <a:spAutoFit/>
-          </a:bodyPr>
-          <a:lstStyle/>
-          <a:p>
-            <a:r>
-              <a:rPr lang="en-US"/>
-              <a:t>Collection</a:t>
-            </a:r>
-          </a:p>
-        </p:txBody>
-      </p:sp>
-      <p:sp>
-        <p:nvSpPr>
-          <p:cNvPr id="6152" name="Line 8"/>
-          <p:cNvSpPr>
-            <a:spLocks noChangeShapeType="1"/>
-          </p:cNvSpPr>
-          <p:nvPr/>
-        </p:nvSpPr>
-        <p:spPr bwMode="auto">
-          <a:xfrm flipV="1">
-            <a:off x="3886200" y="1979613"/>
-            <a:ext cx="0" cy="533400"/>
-          </a:xfrm>
-          <a:prstGeom prst="line">
-            <a:avLst/>
-          </a:prstGeom>
-          <a:noFill/>
-          <a:ln w="9525">
-            <a:solidFill>
-              <a:schemeClr val="tx1"/>
-            </a:solidFill>
-            <a:round/>
-            <a:headEnd/>
-            <a:tailEnd type="triangle" w="med" len="med"/>
-          </a:ln>
-        </p:spPr>
-        <p:txBody>
-          <a:bodyPr wrap="none" anchor="ctr"/>
-          <a:lstStyle/>
-          <a:p>
-            <a:endParaRPr lang="en-US"/>
-          </a:p>
-        </p:txBody>
-      </p:sp>
-      <p:sp>
-        <p:nvSpPr>
-          <p:cNvPr id="6153" name="Text Box 9"/>
-          <p:cNvSpPr txBox="1">
-            <a:spLocks noChangeArrowheads="1"/>
-          </p:cNvSpPr>
-          <p:nvPr/>
-        </p:nvSpPr>
-        <p:spPr bwMode="auto">
-          <a:xfrm>
-            <a:off x="3549650" y="2436813"/>
-            <a:ext cx="641350" cy="457200"/>
-          </a:xfrm>
-          <a:prstGeom prst="rect">
-            <a:avLst/>
-          </a:prstGeom>
-          <a:noFill/>
-          <a:ln w="9525">
-            <a:noFill/>
-            <a:miter lim="800000"/>
-            <a:headEnd/>
-            <a:tailEnd/>
-          </a:ln>
-        </p:spPr>
-        <p:txBody>
-          <a:bodyPr wrap="none">
-            <a:spAutoFit/>
-          </a:bodyPr>
-          <a:lstStyle/>
-          <a:p>
-            <a:r>
-              <a:rPr lang="en-US"/>
-              <a:t>Set</a:t>
-            </a:r>
-          </a:p>
-        </p:txBody>
-      </p:sp>
-      <p:sp>
-        <p:nvSpPr>
-          <p:cNvPr id="6154" name="Text Box 10"/>
-          <p:cNvSpPr txBox="1">
-            <a:spLocks noChangeArrowheads="1"/>
-          </p:cNvSpPr>
-          <p:nvPr/>
-        </p:nvSpPr>
-        <p:spPr bwMode="auto">
-          <a:xfrm>
-            <a:off x="4572000" y="1598613"/>
-            <a:ext cx="1555750" cy="457200"/>
-          </a:xfrm>
-          <a:prstGeom prst="rect">
-            <a:avLst/>
-          </a:prstGeom>
-          <a:noFill/>
-          <a:ln w="9525">
-            <a:noFill/>
-            <a:miter lim="800000"/>
-            <a:headEnd/>
-            <a:tailEnd/>
-          </a:ln>
-        </p:spPr>
-        <p:txBody>
-          <a:bodyPr wrap="none">
-            <a:spAutoFit/>
-          </a:bodyPr>
-          <a:lstStyle/>
-          <a:p>
-            <a:r>
-              <a:rPr lang="en-US"/>
-              <a:t>(interface)</a:t>
-            </a:r>
-          </a:p>
-        </p:txBody>
-      </p:sp>
-      <p:sp>
-        <p:nvSpPr>
-          <p:cNvPr id="6155" name="Text Box 11"/>
-          <p:cNvSpPr txBox="1">
-            <a:spLocks noChangeArrowheads="1"/>
-          </p:cNvSpPr>
-          <p:nvPr/>
-        </p:nvSpPr>
-        <p:spPr bwMode="auto">
-          <a:xfrm>
-            <a:off x="4572000" y="2436813"/>
-            <a:ext cx="1555750" cy="457200"/>
-          </a:xfrm>
-          <a:prstGeom prst="rect">
-            <a:avLst/>
-          </a:prstGeom>
-          <a:noFill/>
-          <a:ln w="9525">
-            <a:noFill/>
-            <a:miter lim="800000"/>
-            <a:headEnd/>
-            <a:tailEnd/>
-          </a:ln>
-        </p:spPr>
-        <p:txBody>
-          <a:bodyPr wrap="none">
-            <a:spAutoFit/>
-          </a:bodyPr>
-          <a:lstStyle/>
-          <a:p>
-            <a:r>
-              <a:rPr lang="en-US"/>
-              <a:t>(interface)</a:t>
-            </a:r>
-          </a:p>
-        </p:txBody>
-      </p:sp>
-      <p:sp>
-        <p:nvSpPr>
-          <p:cNvPr id="6157" name="Text Box 13"/>
-          <p:cNvSpPr txBox="1">
-            <a:spLocks noChangeArrowheads="1"/>
-          </p:cNvSpPr>
-          <p:nvPr/>
-        </p:nvSpPr>
-        <p:spPr bwMode="auto">
-          <a:xfrm>
-            <a:off x="1154113" y="3170238"/>
-            <a:ext cx="184150" cy="457200"/>
-          </a:xfrm>
-          <a:prstGeom prst="rect">
-            <a:avLst/>
-          </a:prstGeom>
-          <a:noFill/>
-          <a:ln w="9525">
-            <a:noFill/>
-            <a:miter lim="800000"/>
-            <a:headEnd/>
-            <a:tailEnd/>
-          </a:ln>
-        </p:spPr>
-        <p:txBody>
-          <a:bodyPr wrap="none">
-            <a:spAutoFit/>
-          </a:bodyPr>
-          <a:lstStyle/>
-          <a:p>
-            <a:endParaRPr lang="en-US" i="1"/>
-          </a:p>
-        </p:txBody>
-      </p:sp>
-      <p:sp>
-        <p:nvSpPr>
-          <p:cNvPr id="6158" name="Text Box 14"/>
-          <p:cNvSpPr txBox="1">
-            <a:spLocks noChangeArrowheads="1"/>
-          </p:cNvSpPr>
-          <p:nvPr/>
-        </p:nvSpPr>
-        <p:spPr bwMode="auto">
-          <a:xfrm>
-            <a:off x="941388" y="3198813"/>
-            <a:ext cx="1352550" cy="457200"/>
-          </a:xfrm>
-          <a:prstGeom prst="rect">
-            <a:avLst/>
-          </a:prstGeom>
-          <a:noFill/>
-          <a:ln w="9525">
-            <a:noFill/>
-            <a:miter lim="800000"/>
-            <a:headEnd/>
-            <a:tailEnd/>
-          </a:ln>
-        </p:spPr>
-        <p:txBody>
-          <a:bodyPr wrap="none">
-            <a:spAutoFit/>
-          </a:bodyPr>
-          <a:lstStyle/>
-          <a:p>
-            <a:r>
-              <a:rPr lang="en-US"/>
-              <a:t>HashSet</a:t>
-            </a:r>
-          </a:p>
-        </p:txBody>
-      </p:sp>
-      <p:sp>
-        <p:nvSpPr>
-          <p:cNvPr id="6159" name="Text Box 15"/>
-          <p:cNvSpPr txBox="1">
-            <a:spLocks noChangeArrowheads="1"/>
-          </p:cNvSpPr>
-          <p:nvPr/>
-        </p:nvSpPr>
-        <p:spPr bwMode="auto">
-          <a:xfrm>
-            <a:off x="484188" y="4113213"/>
-            <a:ext cx="2251075" cy="457200"/>
-          </a:xfrm>
-          <a:prstGeom prst="rect">
-            <a:avLst/>
-          </a:prstGeom>
-          <a:noFill/>
-          <a:ln w="9525">
-            <a:noFill/>
-            <a:miter lim="800000"/>
-            <a:headEnd/>
-            <a:tailEnd/>
-          </a:ln>
-        </p:spPr>
-        <p:txBody>
-          <a:bodyPr wrap="none">
-            <a:spAutoFit/>
-          </a:bodyPr>
-          <a:lstStyle/>
-          <a:p>
-            <a:r>
-              <a:rPr lang="en-US"/>
-              <a:t>LinkedHashSet</a:t>
-            </a:r>
-          </a:p>
-        </p:txBody>
-      </p:sp>
-      <p:sp>
-        <p:nvSpPr>
-          <p:cNvPr id="6160" name="Line 16"/>
-          <p:cNvSpPr>
-            <a:spLocks noChangeShapeType="1"/>
-          </p:cNvSpPr>
-          <p:nvPr/>
-        </p:nvSpPr>
-        <p:spPr bwMode="auto">
-          <a:xfrm flipV="1">
-            <a:off x="3048000" y="2817813"/>
-            <a:ext cx="533400" cy="381000"/>
-          </a:xfrm>
-          <a:prstGeom prst="line">
-            <a:avLst/>
-          </a:prstGeom>
-          <a:noFill/>
-          <a:ln w="9525">
-            <a:solidFill>
-              <a:schemeClr val="tx1"/>
-            </a:solidFill>
-            <a:round/>
-            <a:headEnd/>
-            <a:tailEnd type="triangle" w="med" len="med"/>
-          </a:ln>
-        </p:spPr>
-        <p:txBody>
-          <a:bodyPr wrap="none" anchor="ctr"/>
-          <a:lstStyle/>
-          <a:p>
-            <a:endParaRPr lang="en-US"/>
-          </a:p>
-        </p:txBody>
-      </p:sp>
-      <p:sp>
-        <p:nvSpPr>
-          <p:cNvPr id="6161" name="Text Box 17"/>
-          <p:cNvSpPr txBox="1">
-            <a:spLocks noChangeArrowheads="1"/>
-          </p:cNvSpPr>
-          <p:nvPr/>
-        </p:nvSpPr>
-        <p:spPr bwMode="auto">
-          <a:xfrm>
-            <a:off x="2160588" y="3270250"/>
-            <a:ext cx="1682750" cy="366713"/>
-          </a:xfrm>
-          <a:prstGeom prst="rect">
-            <a:avLst/>
-          </a:prstGeom>
-          <a:noFill/>
-          <a:ln w="9525">
-            <a:noFill/>
-            <a:miter lim="800000"/>
-            <a:headEnd/>
-            <a:tailEnd/>
-          </a:ln>
-        </p:spPr>
-        <p:txBody>
-          <a:bodyPr wrap="none">
-            <a:spAutoFit/>
-          </a:bodyPr>
-          <a:lstStyle/>
-          <a:p>
-            <a:r>
-              <a:rPr lang="en-US" sz="1800"/>
-              <a:t>(fast, no order)</a:t>
-            </a:r>
-            <a:endParaRPr lang="en-US"/>
-          </a:p>
-        </p:txBody>
-      </p:sp>
-      <p:sp>
-        <p:nvSpPr>
-          <p:cNvPr id="6162" name="Line 18"/>
-          <p:cNvSpPr>
-            <a:spLocks noChangeShapeType="1"/>
-          </p:cNvSpPr>
-          <p:nvPr/>
-        </p:nvSpPr>
-        <p:spPr bwMode="auto">
-          <a:xfrm flipV="1">
-            <a:off x="1779588" y="3579813"/>
-            <a:ext cx="0" cy="533400"/>
-          </a:xfrm>
-          <a:prstGeom prst="line">
-            <a:avLst/>
-          </a:prstGeom>
-          <a:noFill/>
-          <a:ln w="9525">
-            <a:solidFill>
-              <a:schemeClr val="tx1"/>
-            </a:solidFill>
-            <a:round/>
-            <a:headEnd/>
-            <a:tailEnd type="triangle" w="med" len="med"/>
-          </a:ln>
-        </p:spPr>
-        <p:txBody>
-          <a:bodyPr wrap="none" anchor="ctr"/>
-          <a:lstStyle/>
-          <a:p>
-            <a:endParaRPr lang="en-US"/>
-          </a:p>
-        </p:txBody>
-      </p:sp>
-      <p:sp>
-        <p:nvSpPr>
-          <p:cNvPr id="6163" name="Text Box 19"/>
-          <p:cNvSpPr txBox="1">
-            <a:spLocks noChangeArrowheads="1"/>
-          </p:cNvSpPr>
-          <p:nvPr/>
-        </p:nvSpPr>
-        <p:spPr bwMode="auto">
-          <a:xfrm>
-            <a:off x="538163" y="4418013"/>
-            <a:ext cx="2357437" cy="915987"/>
-          </a:xfrm>
-          <a:prstGeom prst="rect">
-            <a:avLst/>
-          </a:prstGeom>
-          <a:noFill/>
-          <a:ln w="9525">
-            <a:noFill/>
-            <a:miter lim="800000"/>
-            <a:headEnd/>
-            <a:tailEnd/>
-          </a:ln>
-        </p:spPr>
-        <p:txBody>
-          <a:bodyPr wrap="none">
-            <a:spAutoFit/>
-          </a:bodyPr>
-          <a:lstStyle/>
-          <a:p>
-            <a:r>
-              <a:rPr lang="en-US" sz="1800"/>
-              <a:t>(a little slower,</a:t>
-            </a:r>
-          </a:p>
-          <a:p>
-            <a:r>
-              <a:rPr lang="en-US" sz="1800"/>
-              <a:t>retains order in which</a:t>
-            </a:r>
-          </a:p>
-          <a:p>
-            <a:r>
-              <a:rPr lang="en-US" sz="1800"/>
-              <a:t>elements are added)</a:t>
-            </a:r>
-            <a:endParaRPr lang="en-US"/>
-          </a:p>
-        </p:txBody>
-      </p:sp>
-      <p:sp>
-        <p:nvSpPr>
-          <p:cNvPr id="6164" name="Line 20"/>
-          <p:cNvSpPr>
-            <a:spLocks noChangeShapeType="1"/>
-          </p:cNvSpPr>
-          <p:nvPr/>
-        </p:nvSpPr>
-        <p:spPr bwMode="auto">
-          <a:xfrm flipH="1" flipV="1">
-            <a:off x="4191000" y="2817813"/>
-            <a:ext cx="762000" cy="457200"/>
-          </a:xfrm>
-          <a:prstGeom prst="line">
-            <a:avLst/>
-          </a:prstGeom>
-          <a:noFill/>
-          <a:ln w="9525">
-            <a:solidFill>
-              <a:schemeClr val="tx1"/>
-            </a:solidFill>
-            <a:round/>
-            <a:headEnd/>
-            <a:tailEnd type="triangle" w="med" len="med"/>
-          </a:ln>
-        </p:spPr>
-        <p:txBody>
-          <a:bodyPr wrap="none" anchor="ctr"/>
-          <a:lstStyle/>
-          <a:p>
-            <a:endParaRPr lang="en-US"/>
-          </a:p>
-        </p:txBody>
-      </p:sp>
-      <p:sp>
-        <p:nvSpPr>
-          <p:cNvPr id="6165" name="Text Box 21"/>
-          <p:cNvSpPr txBox="1">
-            <a:spLocks noChangeArrowheads="1"/>
-          </p:cNvSpPr>
-          <p:nvPr/>
-        </p:nvSpPr>
-        <p:spPr bwMode="auto">
-          <a:xfrm>
-            <a:off x="4827588" y="3198813"/>
-            <a:ext cx="2241550" cy="1281112"/>
-          </a:xfrm>
-          <a:prstGeom prst="rect">
-            <a:avLst/>
-          </a:prstGeom>
-          <a:noFill/>
-          <a:ln w="9525">
-            <a:noFill/>
-            <a:miter lim="800000"/>
-            <a:headEnd/>
-            <a:tailEnd/>
-          </a:ln>
-        </p:spPr>
-        <p:txBody>
-          <a:bodyPr wrap="none">
-            <a:spAutoFit/>
-          </a:bodyPr>
-          <a:lstStyle/>
-          <a:p>
-            <a:r>
-              <a:rPr lang="en-US"/>
-              <a:t>TreeSet </a:t>
-            </a:r>
-            <a:r>
-              <a:rPr lang="en-US" sz="1800"/>
-              <a:t>(slow,</a:t>
-            </a:r>
-          </a:p>
-          <a:p>
-            <a:r>
-              <a:rPr lang="en-US" sz="1800"/>
-              <a:t>Orders elements by </a:t>
-            </a:r>
-          </a:p>
-          <a:p>
-            <a:r>
-              <a:rPr lang="en-US" sz="1800"/>
-              <a:t>Natural order or</a:t>
-            </a:r>
-          </a:p>
-          <a:p>
-            <a:r>
-              <a:rPr lang="en-US" sz="1800"/>
-              <a:t>Comparator)</a:t>
-            </a:r>
-            <a:endParaRPr lang="en-US"/>
-          </a:p>
-        </p:txBody>
-      </p:sp>
-      <p:sp>
-        <p:nvSpPr>
-          <p:cNvPr id="6166" name="Text Box 22"/>
-          <p:cNvSpPr txBox="1">
-            <a:spLocks noChangeArrowheads="1"/>
-          </p:cNvSpPr>
-          <p:nvPr/>
-        </p:nvSpPr>
-        <p:spPr bwMode="auto">
-          <a:xfrm>
-            <a:off x="365125" y="5838825"/>
-            <a:ext cx="7418388" cy="457200"/>
-          </a:xfrm>
-          <a:prstGeom prst="rect">
-            <a:avLst/>
-          </a:prstGeom>
-          <a:noFill/>
-          <a:ln w="9525">
-            <a:noFill/>
-            <a:miter lim="800000"/>
-            <a:headEnd/>
-            <a:tailEnd/>
-          </a:ln>
-        </p:spPr>
-        <p:txBody>
-          <a:bodyPr wrap="none">
-            <a:spAutoFit/>
-          </a:bodyPr>
-          <a:lstStyle/>
-          <a:p>
-            <a:r>
-              <a:rPr lang="en-US"/>
-              <a:t>When in doubt use HashSet because it is the fastest!!</a:t>
-            </a:r>
-          </a:p>
-        </p:txBody>
-      </p:sp>
-      <p:sp>
-        <p:nvSpPr>
-          <p:cNvPr id="6167" name="Line 23"/>
-          <p:cNvSpPr>
-            <a:spLocks noChangeShapeType="1"/>
-          </p:cNvSpPr>
-          <p:nvPr/>
-        </p:nvSpPr>
-        <p:spPr bwMode="auto">
-          <a:xfrm>
-            <a:off x="381000" y="3048000"/>
-            <a:ext cx="7543800" cy="0"/>
-          </a:xfrm>
-          <a:prstGeom prst="line">
-            <a:avLst/>
-          </a:prstGeom>
-          <a:noFill/>
-          <a:ln w="9525">
-            <a:solidFill>
-              <a:schemeClr val="tx1"/>
-            </a:solidFill>
-            <a:round/>
-            <a:headEnd/>
-            <a:tailEnd/>
-          </a:ln>
-          <a:effectLst/>
-        </p:spPr>
-        <p:txBody>
-          <a:bodyPr/>
-          <a:lstStyle/>
-          <a:p>
-            <a:endParaRPr lang="en-US"/>
-          </a:p>
-        </p:txBody>
-      </p:sp>
-    </p:spTree>
-  </p:cSld>
-  <p:clrMapOvr>
-    <a:masterClrMapping/>
-  </p:clrMapOvr>
-</p:sld>
-</file>
-
 <file path=ppt/slides/slide52.xml><?xml version="1.0" encoding="utf-8"?>
 <p:sld xmlns:a="http://schemas.openxmlformats.org/drawingml/2006/main" xmlns:r="http://schemas.openxmlformats.org/officeDocument/2006/relationships" xmlns:p="http://schemas.openxmlformats.org/presentationml/2006/main">
   <p:cSld>
@@ -19766,326 +19263,136 @@
           <a:chExt cx="0" cy="0"/>
         </a:xfrm>
       </p:grpSpPr>
-      <p:pic>
-        <p:nvPicPr>
-          <p:cNvPr id="7175" name="Picture 7" descr="Picture 4"/>
-          <p:cNvPicPr>
-            <a:picLocks noChangeAspect="1" noChangeArrowheads="1"/>
-          </p:cNvPicPr>
-          <p:nvPr/>
-        </p:nvPicPr>
-        <p:blipFill>
-          <a:blip r:embed="rId3" cstate="print"/>
-          <a:srcRect/>
-          <a:stretch>
-            <a:fillRect/>
-          </a:stretch>
-        </p:blipFill>
-        <p:spPr bwMode="auto">
-          <a:xfrm>
-            <a:off x="762000" y="5702300"/>
-            <a:ext cx="6078538" cy="698500"/>
-          </a:xfrm>
-          <a:prstGeom prst="rect">
-            <a:avLst/>
-          </a:prstGeom>
-          <a:noFill/>
-        </p:spPr>
-      </p:pic>
-      <p:sp>
-        <p:nvSpPr>
-          <p:cNvPr id="7176" name="Text Box 8"/>
-          <p:cNvSpPr txBox="1">
-            <a:spLocks noChangeArrowheads="1"/>
-          </p:cNvSpPr>
-          <p:nvPr/>
-        </p:nvSpPr>
-        <p:spPr bwMode="auto">
-          <a:xfrm>
-            <a:off x="762000" y="5229225"/>
-            <a:ext cx="7519988" cy="457200"/>
-          </a:xfrm>
-          <a:prstGeom prst="rect">
-            <a:avLst/>
-          </a:prstGeom>
-          <a:noFill/>
-          <a:ln w="9525">
-            <a:noFill/>
-            <a:miter lim="800000"/>
-            <a:headEnd/>
-            <a:tailEnd/>
-          </a:ln>
-        </p:spPr>
-        <p:txBody>
-          <a:bodyPr wrap="none">
+      <p:sp>
+        <p:nvSpPr>
+          <p:cNvPr id="2" name="TextBox 1"/>
+          <p:cNvSpPr txBox="1"/>
+          <p:nvPr/>
+        </p:nvSpPr>
+        <p:spPr>
+          <a:xfrm>
+            <a:off x="381000" y="304800"/>
+            <a:ext cx="5386154" cy="1477328"/>
+          </a:xfrm>
+          <a:prstGeom prst="rect">
+            <a:avLst/>
+          </a:prstGeom>
+          <a:noFill/>
+        </p:spPr>
+        <p:txBody>
+          <a:bodyPr wrap="none" rtlCol="0">
             <a:spAutoFit/>
           </a:bodyPr>
           <a:lstStyle/>
           <a:p>
             <a:r>
-              <a:rPr lang="en-US"/>
-              <a:t>Iteration order may or may not be the same both times</a:t>
-            </a:r>
-          </a:p>
-        </p:txBody>
-      </p:sp>
-      <p:sp>
-        <p:nvSpPr>
-          <p:cNvPr id="7177" name="Text Box 9"/>
-          <p:cNvSpPr txBox="1">
-            <a:spLocks noChangeArrowheads="1"/>
-          </p:cNvSpPr>
-          <p:nvPr/>
-        </p:nvSpPr>
-        <p:spPr bwMode="auto">
-          <a:xfrm>
-            <a:off x="365125" y="200025"/>
-            <a:ext cx="184150" cy="457200"/>
-          </a:xfrm>
-          <a:prstGeom prst="rect">
-            <a:avLst/>
-          </a:prstGeom>
-          <a:noFill/>
-          <a:ln w="9525">
-            <a:noFill/>
-            <a:miter lim="800000"/>
-            <a:headEnd/>
-            <a:tailEnd/>
+              <a:rPr lang="en-US" dirty="0" err="1"/>
+              <a:t>AbstractSequence</a:t>
+            </a:r>
+            <a:r>
+              <a:rPr lang="en-US" dirty="0"/>
+              <a:t>, </a:t>
+            </a:r>
+            <a:r>
+              <a:rPr lang="en-US" dirty="0" err="1"/>
+              <a:t>ProteinSequence</a:t>
+            </a:r>
+            <a:r>
+              <a:rPr lang="en-US" dirty="0"/>
+              <a:t> and </a:t>
+            </a:r>
+            <a:r>
+              <a:rPr lang="en-US" dirty="0" err="1"/>
+              <a:t>DNASequence</a:t>
+            </a:r>
+            <a:endParaRPr lang="en-US" dirty="0"/>
+          </a:p>
+          <a:p>
+            <a:r>
+              <a:rPr lang="en-US" dirty="0" err="1"/>
+              <a:t>HashSet</a:t>
+            </a:r>
+            <a:endParaRPr lang="en-US" dirty="0"/>
+          </a:p>
+          <a:p>
+            <a:r>
+              <a:rPr lang="en-US" dirty="0"/>
+              <a:t>equals() and </a:t>
+            </a:r>
+            <a:r>
+              <a:rPr lang="en-US" dirty="0" err="1"/>
+              <a:t>hashCode</a:t>
+            </a:r>
+            <a:r>
+              <a:rPr lang="en-US" dirty="0"/>
+              <a:t>()</a:t>
+            </a:r>
+          </a:p>
+          <a:p>
+            <a:r>
+              <a:rPr lang="en-US" dirty="0" err="1"/>
+              <a:t>Iterators</a:t>
+            </a:r>
+            <a:endParaRPr lang="en-US" dirty="0"/>
+          </a:p>
+          <a:p>
+            <a:r>
+              <a:rPr lang="en-US" dirty="0" err="1"/>
+              <a:t>HashSet</a:t>
+            </a:r>
+            <a:r>
+              <a:rPr lang="en-US" dirty="0"/>
+              <a:t>, </a:t>
+            </a:r>
+            <a:r>
+              <a:rPr lang="en-US" dirty="0" err="1"/>
+              <a:t>LinkedHashSet</a:t>
+            </a:r>
+            <a:r>
+              <a:rPr lang="en-US" dirty="0"/>
+              <a:t>, </a:t>
+            </a:r>
+            <a:r>
+              <a:rPr lang="en-US" dirty="0" err="1"/>
+              <a:t>TreeSet</a:t>
+            </a:r>
+            <a:endParaRPr lang="en-US" dirty="0"/>
+          </a:p>
+        </p:txBody>
+      </p:sp>
+      <p:cxnSp>
+        <p:nvCxnSpPr>
+          <p:cNvPr id="3" name="Straight Arrow Connector 2"/>
+          <p:cNvCxnSpPr/>
+          <p:nvPr/>
+        </p:nvCxnSpPr>
+        <p:spPr>
+          <a:xfrm flipH="1">
+            <a:off x="3505200" y="1600200"/>
+            <a:ext cx="762000" cy="0"/>
+          </a:xfrm>
+          <a:prstGeom prst="straightConnector1">
+            <a:avLst/>
+          </a:prstGeom>
+          <a:ln>
+            <a:tailEnd type="arrow"/>
           </a:ln>
         </p:spPr>
-        <p:txBody>
-          <a:bodyPr wrap="none">
-            <a:spAutoFit/>
-          </a:bodyPr>
-          <a:lstStyle/>
-          <a:p>
-            <a:endParaRPr lang="en-US"/>
-          </a:p>
-        </p:txBody>
-      </p:sp>
-      <p:sp>
-        <p:nvSpPr>
-          <p:cNvPr id="7179" name="Text Box 11"/>
-          <p:cNvSpPr txBox="1">
-            <a:spLocks noChangeArrowheads="1"/>
-          </p:cNvSpPr>
-          <p:nvPr/>
-        </p:nvSpPr>
-        <p:spPr bwMode="auto">
-          <a:xfrm>
-            <a:off x="441325" y="76200"/>
-            <a:ext cx="6418263" cy="822325"/>
-          </a:xfrm>
-          <a:prstGeom prst="rect">
-            <a:avLst/>
-          </a:prstGeom>
-          <a:noFill/>
-          <a:ln w="9525">
-            <a:noFill/>
-            <a:miter lim="800000"/>
-            <a:headEnd/>
-            <a:tailEnd/>
-          </a:ln>
-        </p:spPr>
-        <p:txBody>
-          <a:bodyPr wrap="none">
-            <a:spAutoFit/>
-          </a:bodyPr>
-          <a:lstStyle/>
-          <a:p>
-            <a:r>
-              <a:rPr lang="en-US"/>
-              <a:t>Hash set has no order, but is constant time for</a:t>
-            </a:r>
-          </a:p>
-          <a:p>
-            <a:r>
-              <a:rPr lang="en-US"/>
-              <a:t>add, remove, contains and size!</a:t>
-            </a:r>
-          </a:p>
-        </p:txBody>
-      </p:sp>
-      <p:pic>
-        <p:nvPicPr>
-          <p:cNvPr id="7180" name="Picture 12" descr="Picture 5"/>
-          <p:cNvPicPr>
-            <a:picLocks noChangeAspect="1" noChangeArrowheads="1"/>
-          </p:cNvPicPr>
-          <p:nvPr/>
-        </p:nvPicPr>
-        <p:blipFill>
-          <a:blip r:embed="rId4" cstate="print"/>
-          <a:srcRect/>
-          <a:stretch>
-            <a:fillRect/>
-          </a:stretch>
-        </p:blipFill>
-        <p:spPr bwMode="auto">
-          <a:xfrm>
-            <a:off x="914400" y="990600"/>
-            <a:ext cx="7162800" cy="4137025"/>
-          </a:xfrm>
-          <a:prstGeom prst="rect">
-            <a:avLst/>
-          </a:prstGeom>
-          <a:noFill/>
-        </p:spPr>
-      </p:pic>
-      <p:sp>
-        <p:nvSpPr>
-          <p:cNvPr id="7181" name="Line 13"/>
-          <p:cNvSpPr>
-            <a:spLocks noChangeShapeType="1"/>
-          </p:cNvSpPr>
-          <p:nvPr/>
-        </p:nvSpPr>
-        <p:spPr bwMode="auto">
-          <a:xfrm flipV="1">
-            <a:off x="838200" y="1600200"/>
-            <a:ext cx="381000" cy="381000"/>
-          </a:xfrm>
-          <a:prstGeom prst="line">
-            <a:avLst/>
-          </a:prstGeom>
-          <a:noFill/>
-          <a:ln w="9525">
-            <a:solidFill>
-              <a:schemeClr val="tx1"/>
-            </a:solidFill>
-            <a:round/>
-            <a:headEnd/>
-            <a:tailEnd type="triangle" w="med" len="med"/>
-          </a:ln>
-          <a:effectLst/>
-        </p:spPr>
-        <p:txBody>
-          <a:bodyPr/>
-          <a:lstStyle/>
-          <a:p>
-            <a:endParaRPr lang="en-US"/>
-          </a:p>
-        </p:txBody>
-      </p:sp>
-      <p:sp>
-        <p:nvSpPr>
-          <p:cNvPr id="7182" name="Text Box 14"/>
-          <p:cNvSpPr txBox="1">
-            <a:spLocks noChangeArrowheads="1"/>
-          </p:cNvSpPr>
-          <p:nvPr/>
-        </p:nvSpPr>
-        <p:spPr bwMode="auto">
-          <a:xfrm>
-            <a:off x="136525" y="1843088"/>
-            <a:ext cx="1073150" cy="366712"/>
-          </a:xfrm>
-          <a:prstGeom prst="rect">
-            <a:avLst/>
-          </a:prstGeom>
-          <a:noFill/>
-          <a:ln w="9525">
-            <a:noFill/>
-            <a:miter lim="800000"/>
-            <a:headEnd/>
-            <a:tailEnd/>
-          </a:ln>
-          <a:effectLst/>
-        </p:spPr>
-        <p:txBody>
-          <a:bodyPr wrap="none">
-            <a:spAutoFit/>
-          </a:bodyPr>
-          <a:lstStyle/>
-          <a:p>
-            <a:r>
-              <a:rPr lang="en-US" sz="1800">
-                <a:solidFill>
-                  <a:srgbClr val="FF3300"/>
-                </a:solidFill>
-              </a:rPr>
-              <a:t>Interface</a:t>
-            </a:r>
-          </a:p>
-        </p:txBody>
-      </p:sp>
-      <p:sp>
-        <p:nvSpPr>
-          <p:cNvPr id="7183" name="Text Box 15"/>
-          <p:cNvSpPr txBox="1">
-            <a:spLocks noChangeArrowheads="1"/>
-          </p:cNvSpPr>
-          <p:nvPr/>
-        </p:nvSpPr>
-        <p:spPr bwMode="auto">
-          <a:xfrm>
-            <a:off x="5181600" y="1919288"/>
-            <a:ext cx="1746250" cy="366712"/>
-          </a:xfrm>
-          <a:prstGeom prst="rect">
-            <a:avLst/>
-          </a:prstGeom>
-          <a:noFill/>
-          <a:ln w="9525">
-            <a:noFill/>
-            <a:miter lim="800000"/>
-            <a:headEnd/>
-            <a:tailEnd/>
-          </a:ln>
-          <a:effectLst/>
-        </p:spPr>
-        <p:txBody>
-          <a:bodyPr wrap="none">
-            <a:spAutoFit/>
-          </a:bodyPr>
-          <a:lstStyle/>
-          <a:p>
-            <a:r>
-              <a:rPr lang="en-US" sz="1800">
-                <a:solidFill>
-                  <a:srgbClr val="FF3300"/>
-                </a:solidFill>
-              </a:rPr>
-              <a:t>Implementation</a:t>
-            </a:r>
-          </a:p>
-        </p:txBody>
-      </p:sp>
-      <p:sp>
-        <p:nvSpPr>
-          <p:cNvPr id="7184" name="Line 16"/>
-          <p:cNvSpPr>
-            <a:spLocks noChangeShapeType="1"/>
-          </p:cNvSpPr>
-          <p:nvPr/>
-        </p:nvSpPr>
-        <p:spPr bwMode="auto">
-          <a:xfrm flipH="1" flipV="1">
-            <a:off x="4343400" y="1600200"/>
-            <a:ext cx="838200" cy="381000"/>
-          </a:xfrm>
-          <a:prstGeom prst="line">
-            <a:avLst/>
-          </a:prstGeom>
-          <a:noFill/>
-          <a:ln w="9525">
-            <a:solidFill>
-              <a:schemeClr val="tx1"/>
-            </a:solidFill>
-            <a:round/>
-            <a:headEnd/>
-            <a:tailEnd type="triangle" w="med" len="med"/>
-          </a:ln>
-          <a:effectLst/>
-        </p:spPr>
-        <p:txBody>
-          <a:bodyPr/>
-          <a:lstStyle/>
-          <a:p>
-            <a:endParaRPr lang="en-US"/>
-          </a:p>
-        </p:txBody>
-      </p:sp>
+        <p:style>
+          <a:lnRef idx="1">
+            <a:schemeClr val="accent1"/>
+          </a:lnRef>
+          <a:fillRef idx="0">
+            <a:schemeClr val="accent1"/>
+          </a:fillRef>
+          <a:effectRef idx="0">
+            <a:schemeClr val="accent1"/>
+          </a:effectRef>
+          <a:fontRef idx="minor">
+            <a:schemeClr val="tx1"/>
+          </a:fontRef>
+        </p:style>
+      </p:cxnSp>
     </p:spTree>
   </p:cSld>
   <p:clrMapOvr>
@@ -20111,35 +19418,9 @@
           <a:chExt cx="0" cy="0"/>
         </a:xfrm>
       </p:grpSpPr>
-      <p:pic>
-        <p:nvPicPr>
-          <p:cNvPr id="8196" name="Picture 4" descr="Picture 6"/>
-          <p:cNvPicPr>
-            <a:picLocks noChangeAspect="1" noChangeArrowheads="1"/>
-          </p:cNvPicPr>
-          <p:nvPr/>
-        </p:nvPicPr>
-        <p:blipFill>
-          <a:blip r:embed="rId3" cstate="print"/>
-          <a:srcRect/>
-          <a:stretch>
-            <a:fillRect/>
-          </a:stretch>
-        </p:blipFill>
-        <p:spPr bwMode="auto">
-          <a:xfrm>
-            <a:off x="914400" y="1752600"/>
-            <a:ext cx="6705600" cy="3382963"/>
-          </a:xfrm>
-          <a:prstGeom prst="rect">
-            <a:avLst/>
-          </a:prstGeom>
-          <a:noFill/>
-        </p:spPr>
-      </p:pic>
-      <p:sp>
-        <p:nvSpPr>
-          <p:cNvPr id="8197" name="Text Box 5"/>
+      <p:sp>
+        <p:nvSpPr>
+          <p:cNvPr id="6148" name="Text Box 4"/>
           <p:cNvSpPr txBox="1">
             <a:spLocks noChangeArrowheads="1"/>
           </p:cNvSpPr>
@@ -20147,8 +19428,8 @@
         </p:nvSpPr>
         <p:spPr bwMode="auto">
           <a:xfrm>
-            <a:off x="457200" y="304800"/>
-            <a:ext cx="8316913" cy="822325"/>
+            <a:off x="3430588" y="531813"/>
+            <a:ext cx="1065212" cy="457200"/>
           </a:xfrm>
           <a:prstGeom prst="rect">
             <a:avLst/>
@@ -20169,43 +19450,657 @@
           <a:p>
             <a:r>
               <a:rPr lang="en-US"/>
-              <a:t>LinkedHashSet maintains the order that elements are added</a:t>
-            </a:r>
-          </a:p>
+              <a:t>Object</a:t>
+            </a:r>
+          </a:p>
+        </p:txBody>
+      </p:sp>
+      <p:sp>
+        <p:nvSpPr>
+          <p:cNvPr id="6149" name="Line 5"/>
+          <p:cNvSpPr>
+            <a:spLocks noChangeShapeType="1"/>
+          </p:cNvSpPr>
+          <p:nvPr/>
+        </p:nvSpPr>
+        <p:spPr bwMode="auto">
+          <a:xfrm flipV="1">
+            <a:off x="3886200" y="1065213"/>
+            <a:ext cx="0" cy="533400"/>
+          </a:xfrm>
+          <a:prstGeom prst="line">
+            <a:avLst/>
+          </a:prstGeom>
+          <a:noFill/>
+          <a:ln w="9525">
+            <a:solidFill>
+              <a:schemeClr val="tx1"/>
+            </a:solidFill>
+            <a:round/>
+            <a:headEnd/>
+            <a:tailEnd type="triangle" w="med" len="med"/>
+          </a:ln>
+        </p:spPr>
+        <p:txBody>
+          <a:bodyPr wrap="none" anchor="ctr"/>
+          <a:lstStyle/>
+          <a:p>
+            <a:endParaRPr lang="en-US"/>
+          </a:p>
+        </p:txBody>
+      </p:sp>
+      <p:sp>
+        <p:nvSpPr>
+          <p:cNvPr id="6150" name="Text Box 6"/>
+          <p:cNvSpPr txBox="1">
+            <a:spLocks noChangeArrowheads="1"/>
+          </p:cNvSpPr>
+          <p:nvPr/>
+        </p:nvSpPr>
+        <p:spPr bwMode="auto">
+          <a:xfrm>
+            <a:off x="3201988" y="1598613"/>
+            <a:ext cx="1522412" cy="457200"/>
+          </a:xfrm>
+          <a:prstGeom prst="rect">
+            <a:avLst/>
+          </a:prstGeom>
+          <a:noFill/>
+          <a:ln w="9525">
+            <a:noFill/>
+            <a:miter lim="800000"/>
+            <a:headEnd/>
+            <a:tailEnd/>
+          </a:ln>
+        </p:spPr>
+        <p:txBody>
+          <a:bodyPr wrap="none">
+            <a:spAutoFit/>
+          </a:bodyPr>
+          <a:lstStyle/>
           <a:p>
             <a:r>
               <a:rPr lang="en-US"/>
-              <a:t>Performance is usually just a little slower than HashSet</a:t>
-            </a:r>
-          </a:p>
-        </p:txBody>
-      </p:sp>
-      <p:pic>
-        <p:nvPicPr>
-          <p:cNvPr id="8198" name="Picture 6" descr="Picture 7"/>
-          <p:cNvPicPr>
-            <a:picLocks noChangeAspect="1" noChangeArrowheads="1"/>
-          </p:cNvPicPr>
-          <p:nvPr/>
-        </p:nvPicPr>
-        <p:blipFill>
-          <a:blip r:embed="rId4" cstate="print"/>
-          <a:srcRect/>
-          <a:stretch>
-            <a:fillRect/>
-          </a:stretch>
-        </p:blipFill>
+              <a:t>Collection</a:t>
+            </a:r>
+          </a:p>
+        </p:txBody>
+      </p:sp>
+      <p:sp>
+        <p:nvSpPr>
+          <p:cNvPr id="6152" name="Line 8"/>
+          <p:cNvSpPr>
+            <a:spLocks noChangeShapeType="1"/>
+          </p:cNvSpPr>
+          <p:nvPr/>
+        </p:nvSpPr>
         <p:spPr bwMode="auto">
-          <a:xfrm>
-            <a:off x="228600" y="5562600"/>
-            <a:ext cx="11029950" cy="312738"/>
-          </a:xfrm>
-          <a:prstGeom prst="rect">
-            <a:avLst/>
-          </a:prstGeom>
-          <a:noFill/>
-        </p:spPr>
-      </p:pic>
+          <a:xfrm flipV="1">
+            <a:off x="3886200" y="1979613"/>
+            <a:ext cx="0" cy="533400"/>
+          </a:xfrm>
+          <a:prstGeom prst="line">
+            <a:avLst/>
+          </a:prstGeom>
+          <a:noFill/>
+          <a:ln w="9525">
+            <a:solidFill>
+              <a:schemeClr val="tx1"/>
+            </a:solidFill>
+            <a:round/>
+            <a:headEnd/>
+            <a:tailEnd type="triangle" w="med" len="med"/>
+          </a:ln>
+        </p:spPr>
+        <p:txBody>
+          <a:bodyPr wrap="none" anchor="ctr"/>
+          <a:lstStyle/>
+          <a:p>
+            <a:endParaRPr lang="en-US"/>
+          </a:p>
+        </p:txBody>
+      </p:sp>
+      <p:sp>
+        <p:nvSpPr>
+          <p:cNvPr id="6153" name="Text Box 9"/>
+          <p:cNvSpPr txBox="1">
+            <a:spLocks noChangeArrowheads="1"/>
+          </p:cNvSpPr>
+          <p:nvPr/>
+        </p:nvSpPr>
+        <p:spPr bwMode="auto">
+          <a:xfrm>
+            <a:off x="3549650" y="2436813"/>
+            <a:ext cx="641350" cy="457200"/>
+          </a:xfrm>
+          <a:prstGeom prst="rect">
+            <a:avLst/>
+          </a:prstGeom>
+          <a:noFill/>
+          <a:ln w="9525">
+            <a:noFill/>
+            <a:miter lim="800000"/>
+            <a:headEnd/>
+            <a:tailEnd/>
+          </a:ln>
+        </p:spPr>
+        <p:txBody>
+          <a:bodyPr wrap="none">
+            <a:spAutoFit/>
+          </a:bodyPr>
+          <a:lstStyle/>
+          <a:p>
+            <a:r>
+              <a:rPr lang="en-US"/>
+              <a:t>Set</a:t>
+            </a:r>
+          </a:p>
+        </p:txBody>
+      </p:sp>
+      <p:sp>
+        <p:nvSpPr>
+          <p:cNvPr id="6154" name="Text Box 10"/>
+          <p:cNvSpPr txBox="1">
+            <a:spLocks noChangeArrowheads="1"/>
+          </p:cNvSpPr>
+          <p:nvPr/>
+        </p:nvSpPr>
+        <p:spPr bwMode="auto">
+          <a:xfrm>
+            <a:off x="4572000" y="1598613"/>
+            <a:ext cx="1555750" cy="457200"/>
+          </a:xfrm>
+          <a:prstGeom prst="rect">
+            <a:avLst/>
+          </a:prstGeom>
+          <a:noFill/>
+          <a:ln w="9525">
+            <a:noFill/>
+            <a:miter lim="800000"/>
+            <a:headEnd/>
+            <a:tailEnd/>
+          </a:ln>
+        </p:spPr>
+        <p:txBody>
+          <a:bodyPr wrap="none">
+            <a:spAutoFit/>
+          </a:bodyPr>
+          <a:lstStyle/>
+          <a:p>
+            <a:r>
+              <a:rPr lang="en-US"/>
+              <a:t>(interface)</a:t>
+            </a:r>
+          </a:p>
+        </p:txBody>
+      </p:sp>
+      <p:sp>
+        <p:nvSpPr>
+          <p:cNvPr id="6155" name="Text Box 11"/>
+          <p:cNvSpPr txBox="1">
+            <a:spLocks noChangeArrowheads="1"/>
+          </p:cNvSpPr>
+          <p:nvPr/>
+        </p:nvSpPr>
+        <p:spPr bwMode="auto">
+          <a:xfrm>
+            <a:off x="4572000" y="2436813"/>
+            <a:ext cx="1555750" cy="457200"/>
+          </a:xfrm>
+          <a:prstGeom prst="rect">
+            <a:avLst/>
+          </a:prstGeom>
+          <a:noFill/>
+          <a:ln w="9525">
+            <a:noFill/>
+            <a:miter lim="800000"/>
+            <a:headEnd/>
+            <a:tailEnd/>
+          </a:ln>
+        </p:spPr>
+        <p:txBody>
+          <a:bodyPr wrap="none">
+            <a:spAutoFit/>
+          </a:bodyPr>
+          <a:lstStyle/>
+          <a:p>
+            <a:r>
+              <a:rPr lang="en-US"/>
+              <a:t>(interface)</a:t>
+            </a:r>
+          </a:p>
+        </p:txBody>
+      </p:sp>
+      <p:sp>
+        <p:nvSpPr>
+          <p:cNvPr id="6157" name="Text Box 13"/>
+          <p:cNvSpPr txBox="1">
+            <a:spLocks noChangeArrowheads="1"/>
+          </p:cNvSpPr>
+          <p:nvPr/>
+        </p:nvSpPr>
+        <p:spPr bwMode="auto">
+          <a:xfrm>
+            <a:off x="1154113" y="3170238"/>
+            <a:ext cx="184150" cy="457200"/>
+          </a:xfrm>
+          <a:prstGeom prst="rect">
+            <a:avLst/>
+          </a:prstGeom>
+          <a:noFill/>
+          <a:ln w="9525">
+            <a:noFill/>
+            <a:miter lim="800000"/>
+            <a:headEnd/>
+            <a:tailEnd/>
+          </a:ln>
+        </p:spPr>
+        <p:txBody>
+          <a:bodyPr wrap="none">
+            <a:spAutoFit/>
+          </a:bodyPr>
+          <a:lstStyle/>
+          <a:p>
+            <a:endParaRPr lang="en-US" i="1"/>
+          </a:p>
+        </p:txBody>
+      </p:sp>
+      <p:sp>
+        <p:nvSpPr>
+          <p:cNvPr id="6158" name="Text Box 14"/>
+          <p:cNvSpPr txBox="1">
+            <a:spLocks noChangeArrowheads="1"/>
+          </p:cNvSpPr>
+          <p:nvPr/>
+        </p:nvSpPr>
+        <p:spPr bwMode="auto">
+          <a:xfrm>
+            <a:off x="941388" y="3198813"/>
+            <a:ext cx="1352550" cy="457200"/>
+          </a:xfrm>
+          <a:prstGeom prst="rect">
+            <a:avLst/>
+          </a:prstGeom>
+          <a:noFill/>
+          <a:ln w="9525">
+            <a:noFill/>
+            <a:miter lim="800000"/>
+            <a:headEnd/>
+            <a:tailEnd/>
+          </a:ln>
+        </p:spPr>
+        <p:txBody>
+          <a:bodyPr wrap="none">
+            <a:spAutoFit/>
+          </a:bodyPr>
+          <a:lstStyle/>
+          <a:p>
+            <a:r>
+              <a:rPr lang="en-US"/>
+              <a:t>HashSet</a:t>
+            </a:r>
+          </a:p>
+        </p:txBody>
+      </p:sp>
+      <p:sp>
+        <p:nvSpPr>
+          <p:cNvPr id="6159" name="Text Box 15"/>
+          <p:cNvSpPr txBox="1">
+            <a:spLocks noChangeArrowheads="1"/>
+          </p:cNvSpPr>
+          <p:nvPr/>
+        </p:nvSpPr>
+        <p:spPr bwMode="auto">
+          <a:xfrm>
+            <a:off x="484188" y="4113213"/>
+            <a:ext cx="2251075" cy="457200"/>
+          </a:xfrm>
+          <a:prstGeom prst="rect">
+            <a:avLst/>
+          </a:prstGeom>
+          <a:noFill/>
+          <a:ln w="9525">
+            <a:noFill/>
+            <a:miter lim="800000"/>
+            <a:headEnd/>
+            <a:tailEnd/>
+          </a:ln>
+        </p:spPr>
+        <p:txBody>
+          <a:bodyPr wrap="none">
+            <a:spAutoFit/>
+          </a:bodyPr>
+          <a:lstStyle/>
+          <a:p>
+            <a:r>
+              <a:rPr lang="en-US"/>
+              <a:t>LinkedHashSet</a:t>
+            </a:r>
+          </a:p>
+        </p:txBody>
+      </p:sp>
+      <p:sp>
+        <p:nvSpPr>
+          <p:cNvPr id="6160" name="Line 16"/>
+          <p:cNvSpPr>
+            <a:spLocks noChangeShapeType="1"/>
+          </p:cNvSpPr>
+          <p:nvPr/>
+        </p:nvSpPr>
+        <p:spPr bwMode="auto">
+          <a:xfrm flipV="1">
+            <a:off x="3048000" y="2817813"/>
+            <a:ext cx="533400" cy="381000"/>
+          </a:xfrm>
+          <a:prstGeom prst="line">
+            <a:avLst/>
+          </a:prstGeom>
+          <a:noFill/>
+          <a:ln w="9525">
+            <a:solidFill>
+              <a:schemeClr val="tx1"/>
+            </a:solidFill>
+            <a:round/>
+            <a:headEnd/>
+            <a:tailEnd type="triangle" w="med" len="med"/>
+          </a:ln>
+        </p:spPr>
+        <p:txBody>
+          <a:bodyPr wrap="none" anchor="ctr"/>
+          <a:lstStyle/>
+          <a:p>
+            <a:endParaRPr lang="en-US"/>
+          </a:p>
+        </p:txBody>
+      </p:sp>
+      <p:sp>
+        <p:nvSpPr>
+          <p:cNvPr id="6161" name="Text Box 17"/>
+          <p:cNvSpPr txBox="1">
+            <a:spLocks noChangeArrowheads="1"/>
+          </p:cNvSpPr>
+          <p:nvPr/>
+        </p:nvSpPr>
+        <p:spPr bwMode="auto">
+          <a:xfrm>
+            <a:off x="2160588" y="3270250"/>
+            <a:ext cx="1682750" cy="366713"/>
+          </a:xfrm>
+          <a:prstGeom prst="rect">
+            <a:avLst/>
+          </a:prstGeom>
+          <a:noFill/>
+          <a:ln w="9525">
+            <a:noFill/>
+            <a:miter lim="800000"/>
+            <a:headEnd/>
+            <a:tailEnd/>
+          </a:ln>
+        </p:spPr>
+        <p:txBody>
+          <a:bodyPr wrap="none">
+            <a:spAutoFit/>
+          </a:bodyPr>
+          <a:lstStyle/>
+          <a:p>
+            <a:r>
+              <a:rPr lang="en-US" sz="1800"/>
+              <a:t>(fast, no order)</a:t>
+            </a:r>
+            <a:endParaRPr lang="en-US"/>
+          </a:p>
+        </p:txBody>
+      </p:sp>
+      <p:sp>
+        <p:nvSpPr>
+          <p:cNvPr id="6162" name="Line 18"/>
+          <p:cNvSpPr>
+            <a:spLocks noChangeShapeType="1"/>
+          </p:cNvSpPr>
+          <p:nvPr/>
+        </p:nvSpPr>
+        <p:spPr bwMode="auto">
+          <a:xfrm flipV="1">
+            <a:off x="1779588" y="3579813"/>
+            <a:ext cx="0" cy="533400"/>
+          </a:xfrm>
+          <a:prstGeom prst="line">
+            <a:avLst/>
+          </a:prstGeom>
+          <a:noFill/>
+          <a:ln w="9525">
+            <a:solidFill>
+              <a:schemeClr val="tx1"/>
+            </a:solidFill>
+            <a:round/>
+            <a:headEnd/>
+            <a:tailEnd type="triangle" w="med" len="med"/>
+          </a:ln>
+        </p:spPr>
+        <p:txBody>
+          <a:bodyPr wrap="none" anchor="ctr"/>
+          <a:lstStyle/>
+          <a:p>
+            <a:endParaRPr lang="en-US"/>
+          </a:p>
+        </p:txBody>
+      </p:sp>
+      <p:sp>
+        <p:nvSpPr>
+          <p:cNvPr id="6163" name="Text Box 19"/>
+          <p:cNvSpPr txBox="1">
+            <a:spLocks noChangeArrowheads="1"/>
+          </p:cNvSpPr>
+          <p:nvPr/>
+        </p:nvSpPr>
+        <p:spPr bwMode="auto">
+          <a:xfrm>
+            <a:off x="538163" y="4418013"/>
+            <a:ext cx="2357437" cy="915987"/>
+          </a:xfrm>
+          <a:prstGeom prst="rect">
+            <a:avLst/>
+          </a:prstGeom>
+          <a:noFill/>
+          <a:ln w="9525">
+            <a:noFill/>
+            <a:miter lim="800000"/>
+            <a:headEnd/>
+            <a:tailEnd/>
+          </a:ln>
+        </p:spPr>
+        <p:txBody>
+          <a:bodyPr wrap="none">
+            <a:spAutoFit/>
+          </a:bodyPr>
+          <a:lstStyle/>
+          <a:p>
+            <a:r>
+              <a:rPr lang="en-US" sz="1800"/>
+              <a:t>(a little slower,</a:t>
+            </a:r>
+          </a:p>
+          <a:p>
+            <a:r>
+              <a:rPr lang="en-US" sz="1800"/>
+              <a:t>retains order in which</a:t>
+            </a:r>
+          </a:p>
+          <a:p>
+            <a:r>
+              <a:rPr lang="en-US" sz="1800"/>
+              <a:t>elements are added)</a:t>
+            </a:r>
+            <a:endParaRPr lang="en-US"/>
+          </a:p>
+        </p:txBody>
+      </p:sp>
+      <p:sp>
+        <p:nvSpPr>
+          <p:cNvPr id="6164" name="Line 20"/>
+          <p:cNvSpPr>
+            <a:spLocks noChangeShapeType="1"/>
+          </p:cNvSpPr>
+          <p:nvPr/>
+        </p:nvSpPr>
+        <p:spPr bwMode="auto">
+          <a:xfrm flipH="1" flipV="1">
+            <a:off x="4191000" y="2817813"/>
+            <a:ext cx="762000" cy="457200"/>
+          </a:xfrm>
+          <a:prstGeom prst="line">
+            <a:avLst/>
+          </a:prstGeom>
+          <a:noFill/>
+          <a:ln w="9525">
+            <a:solidFill>
+              <a:schemeClr val="tx1"/>
+            </a:solidFill>
+            <a:round/>
+            <a:headEnd/>
+            <a:tailEnd type="triangle" w="med" len="med"/>
+          </a:ln>
+        </p:spPr>
+        <p:txBody>
+          <a:bodyPr wrap="none" anchor="ctr"/>
+          <a:lstStyle/>
+          <a:p>
+            <a:endParaRPr lang="en-US"/>
+          </a:p>
+        </p:txBody>
+      </p:sp>
+      <p:sp>
+        <p:nvSpPr>
+          <p:cNvPr id="6165" name="Text Box 21"/>
+          <p:cNvSpPr txBox="1">
+            <a:spLocks noChangeArrowheads="1"/>
+          </p:cNvSpPr>
+          <p:nvPr/>
+        </p:nvSpPr>
+        <p:spPr bwMode="auto">
+          <a:xfrm>
+            <a:off x="4827588" y="3198813"/>
+            <a:ext cx="2241550" cy="1281112"/>
+          </a:xfrm>
+          <a:prstGeom prst="rect">
+            <a:avLst/>
+          </a:prstGeom>
+          <a:noFill/>
+          <a:ln w="9525">
+            <a:noFill/>
+            <a:miter lim="800000"/>
+            <a:headEnd/>
+            <a:tailEnd/>
+          </a:ln>
+        </p:spPr>
+        <p:txBody>
+          <a:bodyPr wrap="none">
+            <a:spAutoFit/>
+          </a:bodyPr>
+          <a:lstStyle/>
+          <a:p>
+            <a:r>
+              <a:rPr lang="en-US"/>
+              <a:t>TreeSet </a:t>
+            </a:r>
+            <a:r>
+              <a:rPr lang="en-US" sz="1800"/>
+              <a:t>(slow,</a:t>
+            </a:r>
+          </a:p>
+          <a:p>
+            <a:r>
+              <a:rPr lang="en-US" sz="1800"/>
+              <a:t>Orders elements by </a:t>
+            </a:r>
+          </a:p>
+          <a:p>
+            <a:r>
+              <a:rPr lang="en-US" sz="1800"/>
+              <a:t>Natural order or</a:t>
+            </a:r>
+          </a:p>
+          <a:p>
+            <a:r>
+              <a:rPr lang="en-US" sz="1800"/>
+              <a:t>Comparator)</a:t>
+            </a:r>
+            <a:endParaRPr lang="en-US"/>
+          </a:p>
+        </p:txBody>
+      </p:sp>
+      <p:sp>
+        <p:nvSpPr>
+          <p:cNvPr id="6166" name="Text Box 22"/>
+          <p:cNvSpPr txBox="1">
+            <a:spLocks noChangeArrowheads="1"/>
+          </p:cNvSpPr>
+          <p:nvPr/>
+        </p:nvSpPr>
+        <p:spPr bwMode="auto">
+          <a:xfrm>
+            <a:off x="365125" y="5838825"/>
+            <a:ext cx="7418388" cy="457200"/>
+          </a:xfrm>
+          <a:prstGeom prst="rect">
+            <a:avLst/>
+          </a:prstGeom>
+          <a:noFill/>
+          <a:ln w="9525">
+            <a:noFill/>
+            <a:miter lim="800000"/>
+            <a:headEnd/>
+            <a:tailEnd/>
+          </a:ln>
+        </p:spPr>
+        <p:txBody>
+          <a:bodyPr wrap="none">
+            <a:spAutoFit/>
+          </a:bodyPr>
+          <a:lstStyle/>
+          <a:p>
+            <a:r>
+              <a:rPr lang="en-US"/>
+              <a:t>When in doubt use HashSet because it is the fastest!!</a:t>
+            </a:r>
+          </a:p>
+        </p:txBody>
+      </p:sp>
+      <p:sp>
+        <p:nvSpPr>
+          <p:cNvPr id="6167" name="Line 23"/>
+          <p:cNvSpPr>
+            <a:spLocks noChangeShapeType="1"/>
+          </p:cNvSpPr>
+          <p:nvPr/>
+        </p:nvSpPr>
+        <p:spPr bwMode="auto">
+          <a:xfrm>
+            <a:off x="381000" y="3048000"/>
+            <a:ext cx="7543800" cy="0"/>
+          </a:xfrm>
+          <a:prstGeom prst="line">
+            <a:avLst/>
+          </a:prstGeom>
+          <a:noFill/>
+          <a:ln w="9525">
+            <a:solidFill>
+              <a:schemeClr val="tx1"/>
+            </a:solidFill>
+            <a:round/>
+            <a:headEnd/>
+            <a:tailEnd/>
+          </a:ln>
+          <a:effectLst/>
+        </p:spPr>
+        <p:txBody>
+          <a:bodyPr/>
+          <a:lstStyle/>
+          <a:p>
+            <a:endParaRPr lang="en-US"/>
+          </a:p>
+        </p:txBody>
+      </p:sp>
     </p:spTree>
   </p:cSld>
   <p:clrMapOvr>
@@ -20233,7 +20128,7 @@
       </p:grpSpPr>
       <p:pic>
         <p:nvPicPr>
-          <p:cNvPr id="9220" name="Picture 4" descr="Picture 8"/>
+          <p:cNvPr id="7175" name="Picture 7" descr="Picture 4"/>
           <p:cNvPicPr>
             <a:picLocks noChangeAspect="1" noChangeArrowheads="1"/>
           </p:cNvPicPr>
@@ -20248,8 +20143,8 @@
         </p:blipFill>
         <p:spPr bwMode="auto">
           <a:xfrm>
-            <a:off x="1447800" y="1600200"/>
-            <a:ext cx="4716463" cy="2667000"/>
+            <a:off x="762000" y="5702300"/>
+            <a:ext cx="6078538" cy="698500"/>
           </a:xfrm>
           <a:prstGeom prst="rect">
             <a:avLst/>
@@ -20259,7 +20154,7 @@
       </p:pic>
       <p:sp>
         <p:nvSpPr>
-          <p:cNvPr id="9221" name="Text Box 5"/>
+          <p:cNvPr id="7176" name="Text Box 8"/>
           <p:cNvSpPr txBox="1">
             <a:spLocks noChangeArrowheads="1"/>
           </p:cNvSpPr>
@@ -20267,8 +20162,8 @@
         </p:nvSpPr>
         <p:spPr bwMode="auto">
           <a:xfrm>
-            <a:off x="184150" y="184150"/>
-            <a:ext cx="8959850" cy="1187450"/>
+            <a:off x="762000" y="5229225"/>
+            <a:ext cx="7519988" cy="457200"/>
           </a:xfrm>
           <a:prstGeom prst="rect">
             <a:avLst/>
@@ -20288,39 +20183,15 @@
           <a:lstStyle/>
           <a:p>
             <a:r>
-              <a:rPr lang="en-US" dirty="0" err="1"/>
-              <a:t>TreeSet</a:t>
-            </a:r>
-            <a:r>
-              <a:rPr lang="en-US" dirty="0"/>
-              <a:t> maintains the order of the elements.</a:t>
-            </a:r>
-          </a:p>
-          <a:p>
-            <a:r>
-              <a:rPr lang="en-US" dirty="0"/>
-              <a:t>Much slower than </a:t>
-            </a:r>
-            <a:r>
-              <a:rPr lang="en-US" dirty="0" err="1"/>
-              <a:t>HashSet</a:t>
-            </a:r>
-            <a:r>
-              <a:rPr lang="en-US" dirty="0"/>
-              <a:t>.  O(n) time for add, remove, contains.</a:t>
-            </a:r>
-          </a:p>
-          <a:p>
-            <a:r>
-              <a:rPr lang="en-US" dirty="0"/>
-              <a:t>Can be faster than sorting a List ( which is n*log(n)).</a:t>
-            </a:r>
-          </a:p>
-        </p:txBody>
-      </p:sp>
-      <p:sp>
-        <p:nvSpPr>
-          <p:cNvPr id="9222" name="Text Box 6"/>
+              <a:rPr lang="en-US"/>
+              <a:t>Iteration order may or may not be the same both times</a:t>
+            </a:r>
+          </a:p>
+        </p:txBody>
+      </p:sp>
+      <p:sp>
+        <p:nvSpPr>
+          <p:cNvPr id="7177" name="Text Box 9"/>
           <p:cNvSpPr txBox="1">
             <a:spLocks noChangeArrowheads="1"/>
           </p:cNvSpPr>
@@ -20328,7 +20199,7 @@
         </p:nvSpPr>
         <p:spPr bwMode="auto">
           <a:xfrm>
-            <a:off x="4403725" y="2486025"/>
+            <a:off x="365125" y="200025"/>
             <a:ext cx="184150" cy="457200"/>
           </a:xfrm>
           <a:prstGeom prst="rect">
@@ -20348,13 +20219,13 @@
           </a:bodyPr>
           <a:lstStyle/>
           <a:p>
-            <a:endParaRPr lang="en-US" i="1"/>
-          </a:p>
-        </p:txBody>
-      </p:sp>
-      <p:sp>
-        <p:nvSpPr>
-          <p:cNvPr id="9223" name="Text Box 7"/>
+            <a:endParaRPr lang="en-US"/>
+          </a:p>
+        </p:txBody>
+      </p:sp>
+      <p:sp>
+        <p:nvSpPr>
+          <p:cNvPr id="7179" name="Text Box 11"/>
           <p:cNvSpPr txBox="1">
             <a:spLocks noChangeArrowheads="1"/>
           </p:cNvSpPr>
@@ -20362,8 +20233,8 @@
         </p:nvSpPr>
         <p:spPr bwMode="auto">
           <a:xfrm>
-            <a:off x="311150" y="5273675"/>
-            <a:ext cx="7689850" cy="822325"/>
+            <a:off x="441325" y="76200"/>
+            <a:ext cx="6418263" cy="822325"/>
           </a:xfrm>
           <a:prstGeom prst="rect">
             <a:avLst/>
@@ -20384,20 +20255,20 @@
           <a:p>
             <a:r>
               <a:rPr lang="en-US"/>
-              <a:t>(You can pass a Comparator to the TreeSet constructor</a:t>
+              <a:t>Hash set has no order, but is constant time for</a:t>
             </a:r>
           </a:p>
           <a:p>
             <a:r>
               <a:rPr lang="en-US"/>
-              <a:t>instead of using the “natural order”) </a:t>
+              <a:t>add, remove, contains and size!</a:t>
             </a:r>
           </a:p>
         </p:txBody>
       </p:sp>
       <p:pic>
         <p:nvPicPr>
-          <p:cNvPr id="9225" name="Picture 9" descr="Picture 9"/>
+          <p:cNvPr id="7180" name="Picture 12" descr="Picture 5"/>
           <p:cNvPicPr>
             <a:picLocks noChangeAspect="1" noChangeArrowheads="1"/>
           </p:cNvPicPr>
@@ -20412,8 +20283,282 @@
         </p:blipFill>
         <p:spPr bwMode="auto">
           <a:xfrm>
-            <a:off x="762000" y="4427538"/>
-            <a:ext cx="7391400" cy="601662"/>
+            <a:off x="914400" y="990600"/>
+            <a:ext cx="7162800" cy="4137025"/>
+          </a:xfrm>
+          <a:prstGeom prst="rect">
+            <a:avLst/>
+          </a:prstGeom>
+          <a:noFill/>
+        </p:spPr>
+      </p:pic>
+      <p:sp>
+        <p:nvSpPr>
+          <p:cNvPr id="7181" name="Line 13"/>
+          <p:cNvSpPr>
+            <a:spLocks noChangeShapeType="1"/>
+          </p:cNvSpPr>
+          <p:nvPr/>
+        </p:nvSpPr>
+        <p:spPr bwMode="auto">
+          <a:xfrm flipV="1">
+            <a:off x="838200" y="1600200"/>
+            <a:ext cx="381000" cy="381000"/>
+          </a:xfrm>
+          <a:prstGeom prst="line">
+            <a:avLst/>
+          </a:prstGeom>
+          <a:noFill/>
+          <a:ln w="9525">
+            <a:solidFill>
+              <a:schemeClr val="tx1"/>
+            </a:solidFill>
+            <a:round/>
+            <a:headEnd/>
+            <a:tailEnd type="triangle" w="med" len="med"/>
+          </a:ln>
+          <a:effectLst/>
+        </p:spPr>
+        <p:txBody>
+          <a:bodyPr/>
+          <a:lstStyle/>
+          <a:p>
+            <a:endParaRPr lang="en-US"/>
+          </a:p>
+        </p:txBody>
+      </p:sp>
+      <p:sp>
+        <p:nvSpPr>
+          <p:cNvPr id="7182" name="Text Box 14"/>
+          <p:cNvSpPr txBox="1">
+            <a:spLocks noChangeArrowheads="1"/>
+          </p:cNvSpPr>
+          <p:nvPr/>
+        </p:nvSpPr>
+        <p:spPr bwMode="auto">
+          <a:xfrm>
+            <a:off x="136525" y="1843088"/>
+            <a:ext cx="1073150" cy="366712"/>
+          </a:xfrm>
+          <a:prstGeom prst="rect">
+            <a:avLst/>
+          </a:prstGeom>
+          <a:noFill/>
+          <a:ln w="9525">
+            <a:noFill/>
+            <a:miter lim="800000"/>
+            <a:headEnd/>
+            <a:tailEnd/>
+          </a:ln>
+          <a:effectLst/>
+        </p:spPr>
+        <p:txBody>
+          <a:bodyPr wrap="none">
+            <a:spAutoFit/>
+          </a:bodyPr>
+          <a:lstStyle/>
+          <a:p>
+            <a:r>
+              <a:rPr lang="en-US" sz="1800">
+                <a:solidFill>
+                  <a:srgbClr val="FF3300"/>
+                </a:solidFill>
+              </a:rPr>
+              <a:t>Interface</a:t>
+            </a:r>
+          </a:p>
+        </p:txBody>
+      </p:sp>
+      <p:sp>
+        <p:nvSpPr>
+          <p:cNvPr id="7183" name="Text Box 15"/>
+          <p:cNvSpPr txBox="1">
+            <a:spLocks noChangeArrowheads="1"/>
+          </p:cNvSpPr>
+          <p:nvPr/>
+        </p:nvSpPr>
+        <p:spPr bwMode="auto">
+          <a:xfrm>
+            <a:off x="5181600" y="1919288"/>
+            <a:ext cx="1746250" cy="366712"/>
+          </a:xfrm>
+          <a:prstGeom prst="rect">
+            <a:avLst/>
+          </a:prstGeom>
+          <a:noFill/>
+          <a:ln w="9525">
+            <a:noFill/>
+            <a:miter lim="800000"/>
+            <a:headEnd/>
+            <a:tailEnd/>
+          </a:ln>
+          <a:effectLst/>
+        </p:spPr>
+        <p:txBody>
+          <a:bodyPr wrap="none">
+            <a:spAutoFit/>
+          </a:bodyPr>
+          <a:lstStyle/>
+          <a:p>
+            <a:r>
+              <a:rPr lang="en-US" sz="1800">
+                <a:solidFill>
+                  <a:srgbClr val="FF3300"/>
+                </a:solidFill>
+              </a:rPr>
+              <a:t>Implementation</a:t>
+            </a:r>
+          </a:p>
+        </p:txBody>
+      </p:sp>
+      <p:sp>
+        <p:nvSpPr>
+          <p:cNvPr id="7184" name="Line 16"/>
+          <p:cNvSpPr>
+            <a:spLocks noChangeShapeType="1"/>
+          </p:cNvSpPr>
+          <p:nvPr/>
+        </p:nvSpPr>
+        <p:spPr bwMode="auto">
+          <a:xfrm flipH="1" flipV="1">
+            <a:off x="4343400" y="1600200"/>
+            <a:ext cx="838200" cy="381000"/>
+          </a:xfrm>
+          <a:prstGeom prst="line">
+            <a:avLst/>
+          </a:prstGeom>
+          <a:noFill/>
+          <a:ln w="9525">
+            <a:solidFill>
+              <a:schemeClr val="tx1"/>
+            </a:solidFill>
+            <a:round/>
+            <a:headEnd/>
+            <a:tailEnd type="triangle" w="med" len="med"/>
+          </a:ln>
+          <a:effectLst/>
+        </p:spPr>
+        <p:txBody>
+          <a:bodyPr/>
+          <a:lstStyle/>
+          <a:p>
+            <a:endParaRPr lang="en-US"/>
+          </a:p>
+        </p:txBody>
+      </p:sp>
+    </p:spTree>
+  </p:cSld>
+  <p:clrMapOvr>
+    <a:masterClrMapping/>
+  </p:clrMapOvr>
+</p:sld>
+</file>
+
+<file path=ppt/slides/slide55.xml><?xml version="1.0" encoding="utf-8"?>
+<p:sld xmlns:a="http://schemas.openxmlformats.org/drawingml/2006/main" xmlns:r="http://schemas.openxmlformats.org/officeDocument/2006/relationships" xmlns:p="http://schemas.openxmlformats.org/presentationml/2006/main">
+  <p:cSld>
+    <p:spTree>
+      <p:nvGrpSpPr>
+        <p:cNvPr id="1" name=""/>
+        <p:cNvGrpSpPr/>
+        <p:nvPr/>
+      </p:nvGrpSpPr>
+      <p:grpSpPr>
+        <a:xfrm>
+          <a:off x="0" y="0"/>
+          <a:ext cx="0" cy="0"/>
+          <a:chOff x="0" y="0"/>
+          <a:chExt cx="0" cy="0"/>
+        </a:xfrm>
+      </p:grpSpPr>
+      <p:pic>
+        <p:nvPicPr>
+          <p:cNvPr id="8196" name="Picture 4" descr="Picture 6"/>
+          <p:cNvPicPr>
+            <a:picLocks noChangeAspect="1" noChangeArrowheads="1"/>
+          </p:cNvPicPr>
+          <p:nvPr/>
+        </p:nvPicPr>
+        <p:blipFill>
+          <a:blip r:embed="rId3" cstate="print"/>
+          <a:srcRect/>
+          <a:stretch>
+            <a:fillRect/>
+          </a:stretch>
+        </p:blipFill>
+        <p:spPr bwMode="auto">
+          <a:xfrm>
+            <a:off x="914400" y="1752600"/>
+            <a:ext cx="6705600" cy="3382963"/>
+          </a:xfrm>
+          <a:prstGeom prst="rect">
+            <a:avLst/>
+          </a:prstGeom>
+          <a:noFill/>
+        </p:spPr>
+      </p:pic>
+      <p:sp>
+        <p:nvSpPr>
+          <p:cNvPr id="8197" name="Text Box 5"/>
+          <p:cNvSpPr txBox="1">
+            <a:spLocks noChangeArrowheads="1"/>
+          </p:cNvSpPr>
+          <p:nvPr/>
+        </p:nvSpPr>
+        <p:spPr bwMode="auto">
+          <a:xfrm>
+            <a:off x="457200" y="304800"/>
+            <a:ext cx="8316913" cy="822325"/>
+          </a:xfrm>
+          <a:prstGeom prst="rect">
+            <a:avLst/>
+          </a:prstGeom>
+          <a:noFill/>
+          <a:ln w="9525">
+            <a:noFill/>
+            <a:miter lim="800000"/>
+            <a:headEnd/>
+            <a:tailEnd/>
+          </a:ln>
+        </p:spPr>
+        <p:txBody>
+          <a:bodyPr wrap="none">
+            <a:spAutoFit/>
+          </a:bodyPr>
+          <a:lstStyle/>
+          <a:p>
+            <a:r>
+              <a:rPr lang="en-US"/>
+              <a:t>LinkedHashSet maintains the order that elements are added</a:t>
+            </a:r>
+          </a:p>
+          <a:p>
+            <a:r>
+              <a:rPr lang="en-US"/>
+              <a:t>Performance is usually just a little slower than HashSet</a:t>
+            </a:r>
+          </a:p>
+        </p:txBody>
+      </p:sp>
+      <p:pic>
+        <p:nvPicPr>
+          <p:cNvPr id="8198" name="Picture 6" descr="Picture 7"/>
+          <p:cNvPicPr>
+            <a:picLocks noChangeAspect="1" noChangeArrowheads="1"/>
+          </p:cNvPicPr>
+          <p:nvPr/>
+        </p:nvPicPr>
+        <p:blipFill>
+          <a:blip r:embed="rId4" cstate="print"/>
+          <a:srcRect/>
+          <a:stretch>
+            <a:fillRect/>
+          </a:stretch>
+        </p:blipFill>
+        <p:spPr bwMode="auto">
+          <a:xfrm>
+            <a:off x="228600" y="5562600"/>
+            <a:ext cx="11029950" cy="312738"/>
           </a:xfrm>
           <a:prstGeom prst="rect">
             <a:avLst/>
@@ -20429,7 +20574,222 @@
 </p:sld>
 </file>
 
-<file path=ppt/slides/slide55.xml><?xml version="1.0" encoding="utf-8"?>
+<file path=ppt/slides/slide56.xml><?xml version="1.0" encoding="utf-8"?>
+<p:sld xmlns:a="http://schemas.openxmlformats.org/drawingml/2006/main" xmlns:r="http://schemas.openxmlformats.org/officeDocument/2006/relationships" xmlns:p="http://schemas.openxmlformats.org/presentationml/2006/main">
+  <p:cSld>
+    <p:spTree>
+      <p:nvGrpSpPr>
+        <p:cNvPr id="1" name=""/>
+        <p:cNvGrpSpPr/>
+        <p:nvPr/>
+      </p:nvGrpSpPr>
+      <p:grpSpPr>
+        <a:xfrm>
+          <a:off x="0" y="0"/>
+          <a:ext cx="0" cy="0"/>
+          <a:chOff x="0" y="0"/>
+          <a:chExt cx="0" cy="0"/>
+        </a:xfrm>
+      </p:grpSpPr>
+      <p:pic>
+        <p:nvPicPr>
+          <p:cNvPr id="9220" name="Picture 4" descr="Picture 8"/>
+          <p:cNvPicPr>
+            <a:picLocks noChangeAspect="1" noChangeArrowheads="1"/>
+          </p:cNvPicPr>
+          <p:nvPr/>
+        </p:nvPicPr>
+        <p:blipFill>
+          <a:blip r:embed="rId3" cstate="print"/>
+          <a:srcRect/>
+          <a:stretch>
+            <a:fillRect/>
+          </a:stretch>
+        </p:blipFill>
+        <p:spPr bwMode="auto">
+          <a:xfrm>
+            <a:off x="1447800" y="1600200"/>
+            <a:ext cx="4716463" cy="2667000"/>
+          </a:xfrm>
+          <a:prstGeom prst="rect">
+            <a:avLst/>
+          </a:prstGeom>
+          <a:noFill/>
+        </p:spPr>
+      </p:pic>
+      <p:sp>
+        <p:nvSpPr>
+          <p:cNvPr id="9221" name="Text Box 5"/>
+          <p:cNvSpPr txBox="1">
+            <a:spLocks noChangeArrowheads="1"/>
+          </p:cNvSpPr>
+          <p:nvPr/>
+        </p:nvSpPr>
+        <p:spPr bwMode="auto">
+          <a:xfrm>
+            <a:off x="184150" y="184150"/>
+            <a:ext cx="8959850" cy="1187450"/>
+          </a:xfrm>
+          <a:prstGeom prst="rect">
+            <a:avLst/>
+          </a:prstGeom>
+          <a:noFill/>
+          <a:ln w="9525">
+            <a:noFill/>
+            <a:miter lim="800000"/>
+            <a:headEnd/>
+            <a:tailEnd/>
+          </a:ln>
+        </p:spPr>
+        <p:txBody>
+          <a:bodyPr wrap="none">
+            <a:spAutoFit/>
+          </a:bodyPr>
+          <a:lstStyle/>
+          <a:p>
+            <a:r>
+              <a:rPr lang="en-US" dirty="0" err="1"/>
+              <a:t>TreeSet</a:t>
+            </a:r>
+            <a:r>
+              <a:rPr lang="en-US" dirty="0"/>
+              <a:t> maintains the order of the elements.</a:t>
+            </a:r>
+          </a:p>
+          <a:p>
+            <a:r>
+              <a:rPr lang="en-US" dirty="0"/>
+              <a:t>Much slower than </a:t>
+            </a:r>
+            <a:r>
+              <a:rPr lang="en-US" dirty="0" err="1"/>
+              <a:t>HashSet</a:t>
+            </a:r>
+            <a:r>
+              <a:rPr lang="en-US" dirty="0"/>
+              <a:t>.  O(n) time for add, remove, contains.</a:t>
+            </a:r>
+          </a:p>
+          <a:p>
+            <a:r>
+              <a:rPr lang="en-US" dirty="0"/>
+              <a:t>Can be faster than sorting a List ( which is n*log(n)).</a:t>
+            </a:r>
+          </a:p>
+        </p:txBody>
+      </p:sp>
+      <p:sp>
+        <p:nvSpPr>
+          <p:cNvPr id="9222" name="Text Box 6"/>
+          <p:cNvSpPr txBox="1">
+            <a:spLocks noChangeArrowheads="1"/>
+          </p:cNvSpPr>
+          <p:nvPr/>
+        </p:nvSpPr>
+        <p:spPr bwMode="auto">
+          <a:xfrm>
+            <a:off x="4403725" y="2486025"/>
+            <a:ext cx="184150" cy="457200"/>
+          </a:xfrm>
+          <a:prstGeom prst="rect">
+            <a:avLst/>
+          </a:prstGeom>
+          <a:noFill/>
+          <a:ln w="9525">
+            <a:noFill/>
+            <a:miter lim="800000"/>
+            <a:headEnd/>
+            <a:tailEnd/>
+          </a:ln>
+        </p:spPr>
+        <p:txBody>
+          <a:bodyPr wrap="none">
+            <a:spAutoFit/>
+          </a:bodyPr>
+          <a:lstStyle/>
+          <a:p>
+            <a:endParaRPr lang="en-US" i="1"/>
+          </a:p>
+        </p:txBody>
+      </p:sp>
+      <p:sp>
+        <p:nvSpPr>
+          <p:cNvPr id="9223" name="Text Box 7"/>
+          <p:cNvSpPr txBox="1">
+            <a:spLocks noChangeArrowheads="1"/>
+          </p:cNvSpPr>
+          <p:nvPr/>
+        </p:nvSpPr>
+        <p:spPr bwMode="auto">
+          <a:xfrm>
+            <a:off x="311150" y="5273675"/>
+            <a:ext cx="7689850" cy="822325"/>
+          </a:xfrm>
+          <a:prstGeom prst="rect">
+            <a:avLst/>
+          </a:prstGeom>
+          <a:noFill/>
+          <a:ln w="9525">
+            <a:noFill/>
+            <a:miter lim="800000"/>
+            <a:headEnd/>
+            <a:tailEnd/>
+          </a:ln>
+        </p:spPr>
+        <p:txBody>
+          <a:bodyPr wrap="none">
+            <a:spAutoFit/>
+          </a:bodyPr>
+          <a:lstStyle/>
+          <a:p>
+            <a:r>
+              <a:rPr lang="en-US"/>
+              <a:t>(You can pass a Comparator to the TreeSet constructor</a:t>
+            </a:r>
+          </a:p>
+          <a:p>
+            <a:r>
+              <a:rPr lang="en-US"/>
+              <a:t>instead of using the “natural order”) </a:t>
+            </a:r>
+          </a:p>
+        </p:txBody>
+      </p:sp>
+      <p:pic>
+        <p:nvPicPr>
+          <p:cNvPr id="9225" name="Picture 9" descr="Picture 9"/>
+          <p:cNvPicPr>
+            <a:picLocks noChangeAspect="1" noChangeArrowheads="1"/>
+          </p:cNvPicPr>
+          <p:nvPr/>
+        </p:nvPicPr>
+        <p:blipFill>
+          <a:blip r:embed="rId4" cstate="print"/>
+          <a:srcRect/>
+          <a:stretch>
+            <a:fillRect/>
+          </a:stretch>
+        </p:blipFill>
+        <p:spPr bwMode="auto">
+          <a:xfrm>
+            <a:off x="762000" y="4427538"/>
+            <a:ext cx="7391400" cy="601662"/>
+          </a:xfrm>
+          <a:prstGeom prst="rect">
+            <a:avLst/>
+          </a:prstGeom>
+          <a:noFill/>
+        </p:spPr>
+      </p:pic>
+    </p:spTree>
+  </p:cSld>
+  <p:clrMapOvr>
+    <a:masterClrMapping/>
+  </p:clrMapOvr>
+</p:sld>
+</file>
+
+<file path=ppt/slides/slide57.xml><?xml version="1.0" encoding="utf-8"?>
 <p:sld xmlns:a="http://schemas.openxmlformats.org/drawingml/2006/main" xmlns:r="http://schemas.openxmlformats.org/officeDocument/2006/relationships" xmlns:p="http://schemas.openxmlformats.org/presentationml/2006/main">
   <p:cSld>
     <p:spTree>
